--- a/FOPS_Osztálykirándulás_Prezentáció.pptx
+++ b/FOPS_Osztálykirándulás_Prezentáció.pptx
@@ -5,7 +5,7 @@
     <p:sldMasterId id="2147483648" r:id="rId1"/>
   </p:sldMasterIdLst>
   <p:notesMasterIdLst>
-    <p:notesMasterId r:id="rId18"/>
+    <p:notesMasterId r:id="rId19"/>
   </p:notesMasterIdLst>
   <p:sldIdLst>
     <p:sldId id="256" r:id="rId2"/>
@@ -16,28 +16,29 @@
     <p:sldId id="260" r:id="rId7"/>
     <p:sldId id="261" r:id="rId8"/>
     <p:sldId id="262" r:id="rId9"/>
-    <p:sldId id="263" r:id="rId10"/>
-    <p:sldId id="264" r:id="rId11"/>
-    <p:sldId id="269" r:id="rId12"/>
-    <p:sldId id="270" r:id="rId13"/>
-    <p:sldId id="265" r:id="rId14"/>
-    <p:sldId id="268" r:id="rId15"/>
-    <p:sldId id="267" r:id="rId16"/>
-    <p:sldId id="266" r:id="rId17"/>
+    <p:sldId id="272" r:id="rId10"/>
+    <p:sldId id="263" r:id="rId11"/>
+    <p:sldId id="264" r:id="rId12"/>
+    <p:sldId id="269" r:id="rId13"/>
+    <p:sldId id="270" r:id="rId14"/>
+    <p:sldId id="265" r:id="rId15"/>
+    <p:sldId id="268" r:id="rId16"/>
+    <p:sldId id="267" r:id="rId17"/>
+    <p:sldId id="266" r:id="rId18"/>
   </p:sldIdLst>
   <p:sldSz cx="12192000" cy="6858000"/>
   <p:notesSz cx="6858000" cy="9144000"/>
   <p:embeddedFontLst>
     <p:embeddedFont>
       <p:font typeface="Consolas" panose="020B0609020204030204" pitchFamily="49" charset="0"/>
-      <p:regular r:id="rId19"/>
-      <p:bold r:id="rId20"/>
-      <p:italic r:id="rId21"/>
-      <p:boldItalic r:id="rId22"/>
+      <p:regular r:id="rId20"/>
+      <p:bold r:id="rId21"/>
+      <p:italic r:id="rId22"/>
+      <p:boldItalic r:id="rId23"/>
     </p:embeddedFont>
     <p:embeddedFont>
       <p:font typeface="Lustria" panose="020B0604020202020204" charset="0"/>
-      <p:regular r:id="rId23"/>
+      <p:regular r:id="rId24"/>
     </p:embeddedFont>
   </p:embeddedFontLst>
   <p:defaultTextStyle>
@@ -271,7 +272,7 @@
   </p:defaultTextStyle>
   <p:extLst>
     <p:ext uri="GoogleSlidesCustomDataVersion2">
-      <go:slidesCustomData xmlns="" xmlns:go="http://customooxmlschemas.google.com/" xmlns:ahyp="http://schemas.microsoft.com/office/drawing/2018/hyperlinkcolor" xmlns:p15="http://schemas.microsoft.com/office/powerpoint/2012/main" xmlns:p14="http://schemas.microsoft.com/office/powerpoint/2010/main" xmlns:com="http://schemas.openxmlformats.org/drawingml/2006/compatibility" xmlns:pvml="urn:schemas-microsoft-com:office:powerpoint" xmlns:v="urn:schemas-microsoft-com:vml" xmlns:o="urn:schemas-microsoft-com:office:office" xmlns:dgm="http://schemas.openxmlformats.org/drawingml/2006/diagram" xmlns:c="http://schemas.openxmlformats.org/drawingml/2006/chart" xmlns:mv="urn:schemas-microsoft-com:mac:vml" xmlns:mc="http://schemas.openxmlformats.org/markup-compatibility/2006" r:id="rId25" roundtripDataSignature="AMtx7mhB/tbt/CLkt3Gu0gobR/ZMp2h8YQ=="/>
+      <go:slidesCustomData xmlns:mc="http://schemas.openxmlformats.org/markup-compatibility/2006" xmlns:mv="urn:schemas-microsoft-com:mac:vml" xmlns:c="http://schemas.openxmlformats.org/drawingml/2006/chart" xmlns:dgm="http://schemas.openxmlformats.org/drawingml/2006/diagram" xmlns:o="urn:schemas-microsoft-com:office:office" xmlns:v="urn:schemas-microsoft-com:vml" xmlns:pvml="urn:schemas-microsoft-com:office:powerpoint" xmlns:com="http://schemas.openxmlformats.org/drawingml/2006/compatibility" xmlns:p14="http://schemas.microsoft.com/office/powerpoint/2010/main" xmlns:p15="http://schemas.microsoft.com/office/powerpoint/2012/main" xmlns:ahyp="http://schemas.microsoft.com/office/drawing/2018/hyperlinkcolor" xmlns:go="http://customooxmlschemas.google.com/" xmlns="" r:id="rId25" roundtripDataSignature="AMtx7mhB/tbt/CLkt3Gu0gobR/ZMp2h8YQ=="/>
     </p:ext>
   </p:extLst>
 </p:presentation>
@@ -281,9 +282,9 @@
 <p1510:revInfo xmlns:a="http://schemas.openxmlformats.org/drawingml/2006/main" xmlns:r="http://schemas.openxmlformats.org/officeDocument/2006/relationships" xmlns:p1510="http://schemas.microsoft.com/office/powerpoint/2015/10/main">
   <p1510:revLst>
     <p1510:client id="{23DA576E-EB32-0EB7-93FA-ABEB5CF19DA4}" v="700" dt="2024-10-08T09:27:39.574"/>
+    <p1510:client id="{6CF21522-D706-EEA0-6BD3-7BD2607155A2}" v="158" dt="2024-10-08T09:23:55.959"/>
     <p1510:client id="{3CACA36D-CCD5-9F02-0CB2-76363BB95DA9}" v="1" dt="2024-10-08T09:03:52.470"/>
     <p1510:client id="{4C9D0163-68A9-7277-EF05-67E4FB29C77C}" v="105" dt="2024-10-08T08:33:43.406"/>
-    <p1510:client id="{6CF21522-D706-EEA0-6BD3-7BD2607155A2}" v="158" dt="2024-10-08T09:23:55.959"/>
     <p1510:client id="{A8D916CF-E8E3-52CA-244F-C1B8331A2F4B}" v="562" dt="2024-10-08T09:27:58.213"/>
   </p1510:revLst>
 </p1510:revInfo>
@@ -16255,7 +16256,7 @@
             </a:lvl9pPr>
           </a:lstStyle>
           <a:p>
-            <a:endParaRPr/>
+            <a:endParaRPr dirty="0"/>
           </a:p>
         </p:txBody>
       </p:sp>
@@ -16503,7 +16504,7 @@
             </a:lvl9pPr>
           </a:lstStyle>
           <a:p>
-            <a:endParaRPr/>
+            <a:endParaRPr dirty="0"/>
           </a:p>
         </p:txBody>
       </p:sp>
@@ -17381,7 +17382,7 @@
           <a:srgbClr val="000000"/>
         </a:buClr>
         <a:buFont typeface="Arial"/>
-        <a:defRPr sz="1400" b="0" i="0" u="none" strike="noStrike" cap="none">
+        <a:defRPr sz="3200" b="0" i="0" u="none" strike="noStrike" cap="none">
           <a:solidFill>
             <a:srgbClr val="000000"/>
           </a:solidFill>
@@ -18056,6 +18057,1420 @@
   <p:cSld>
     <p:spTree>
       <p:nvGrpSpPr>
+        <p:cNvPr id="1" name="Shape 192"/>
+        <p:cNvGrpSpPr/>
+        <p:nvPr/>
+      </p:nvGrpSpPr>
+      <p:grpSpPr>
+        <a:xfrm>
+          <a:off x="0" y="0"/>
+          <a:ext cx="0" cy="0"/>
+          <a:chOff x="0" y="0"/>
+          <a:chExt cx="0" cy="0"/>
+        </a:xfrm>
+      </p:grpSpPr>
+      <p:sp>
+        <p:nvSpPr>
+          <p:cNvPr id="193" name="Google Shape;193;p8"/>
+          <p:cNvSpPr txBox="1">
+            <a:spLocks noGrp="1"/>
+          </p:cNvSpPr>
+          <p:nvPr>
+            <p:ph type="title"/>
+          </p:nvPr>
+        </p:nvSpPr>
+        <p:spPr>
+          <a:xfrm>
+            <a:off x="186696" y="347006"/>
+            <a:ext cx="5724007" cy="1120844"/>
+          </a:xfrm>
+          <a:prstGeom prst="rect">
+            <a:avLst/>
+          </a:prstGeom>
+          <a:noFill/>
+          <a:ln>
+            <a:noFill/>
+          </a:ln>
+          <a:effectLst>
+            <a:outerShdw blurRad="25400">
+              <a:srgbClr val="000000">
+                <a:alpha val="45882"/>
+              </a:srgbClr>
+            </a:outerShdw>
+          </a:effectLst>
+        </p:spPr>
+        <p:txBody>
+          <a:bodyPr spcFirstLastPara="1" wrap="square" lIns="91425" tIns="45700" rIns="91425" bIns="45700" anchor="ctr" anchorCtr="0">
+            <a:noAutofit/>
+          </a:bodyPr>
+          <a:lstStyle/>
+          <a:p>
+            <a:pPr marL="0" lvl="0" indent="0" algn="ctr" rtl="0">
+              <a:spcBef>
+                <a:spcPts val="0"/>
+              </a:spcBef>
+              <a:spcAft>
+                <a:spcPts val="0"/>
+              </a:spcAft>
+              <a:buClr>
+                <a:schemeClr val="lt2"/>
+              </a:buClr>
+              <a:buSzPts val="2800"/>
+              <a:buFont typeface="Lustria"/>
+              <a:buNone/>
+            </a:pPr>
+            <a:r>
+              <a:rPr lang="hu-HU" sz="3600" b="1" u="sng"/>
+              <a:t>A kirándulásra szükséges dolgok</a:t>
+            </a:r>
+          </a:p>
+        </p:txBody>
+      </p:sp>
+      <p:sp>
+        <p:nvSpPr>
+          <p:cNvPr id="194" name="Google Shape;194;p8"/>
+          <p:cNvSpPr txBox="1">
+            <a:spLocks noGrp="1"/>
+          </p:cNvSpPr>
+          <p:nvPr>
+            <p:ph type="body" idx="1"/>
+          </p:nvPr>
+        </p:nvSpPr>
+        <p:spPr>
+          <a:xfrm>
+            <a:off x="627138" y="1732449"/>
+            <a:ext cx="4839305" cy="4058751"/>
+          </a:xfrm>
+          <a:prstGeom prst="rect">
+            <a:avLst/>
+          </a:prstGeom>
+          <a:noFill/>
+          <a:ln>
+            <a:noFill/>
+          </a:ln>
+          <a:effectLst>
+            <a:outerShdw blurRad="25400">
+              <a:srgbClr val="000000">
+                <a:alpha val="45882"/>
+              </a:srgbClr>
+            </a:outerShdw>
+          </a:effectLst>
+        </p:spPr>
+        <p:txBody>
+          <a:bodyPr spcFirstLastPara="1" wrap="square" lIns="91425" tIns="45700" rIns="91425" bIns="45700" anchor="t" anchorCtr="0">
+            <a:normAutofit/>
+          </a:bodyPr>
+          <a:lstStyle/>
+          <a:p>
+            <a:pPr marL="342900" lvl="0" indent="-305435" algn="l" rtl="0">
+              <a:spcBef>
+                <a:spcPts val="0"/>
+              </a:spcBef>
+              <a:spcAft>
+                <a:spcPts val="0"/>
+              </a:spcAft>
+              <a:buSzPts val="1400"/>
+              <a:buChar char="◈"/>
+            </a:pPr>
+            <a:r>
+              <a:rPr lang="hu-HU" sz="3200"/>
+              <a:t>Váltóruha</a:t>
+            </a:r>
+          </a:p>
+          <a:p>
+            <a:pPr marL="342900" lvl="0" indent="-305435" algn="l" rtl="0">
+              <a:spcBef>
+                <a:spcPts val="1000"/>
+              </a:spcBef>
+              <a:spcAft>
+                <a:spcPts val="0"/>
+              </a:spcAft>
+              <a:buSzPts val="1400"/>
+              <a:buChar char="◈"/>
+            </a:pPr>
+            <a:r>
+              <a:rPr lang="hu-HU" sz="3200"/>
+              <a:t>Higiéniai eszközök</a:t>
+            </a:r>
+          </a:p>
+          <a:p>
+            <a:pPr marL="342900" lvl="0" indent="-305435" algn="l" rtl="0">
+              <a:spcBef>
+                <a:spcPts val="1000"/>
+              </a:spcBef>
+              <a:spcAft>
+                <a:spcPts val="0"/>
+              </a:spcAft>
+              <a:buSzPts val="1400"/>
+              <a:buChar char="◈"/>
+            </a:pPr>
+            <a:r>
+              <a:rPr lang="hu-HU" sz="3200"/>
+              <a:t>Első napra reggeli (Ha otthon nem ettél)</a:t>
+            </a:r>
+          </a:p>
+          <a:p>
+            <a:pPr marL="342900" lvl="0" indent="-305435" algn="l" rtl="0">
+              <a:spcBef>
+                <a:spcPts val="1000"/>
+              </a:spcBef>
+              <a:spcAft>
+                <a:spcPts val="0"/>
+              </a:spcAft>
+              <a:buSzPts val="1400"/>
+              <a:buChar char="◈"/>
+            </a:pPr>
+            <a:r>
+              <a:rPr lang="hu-HU" sz="3200"/>
+              <a:t>Zsebpénz</a:t>
+            </a:r>
+          </a:p>
+          <a:p>
+            <a:pPr marL="342900" lvl="0" indent="-305435" algn="l" rtl="0">
+              <a:spcBef>
+                <a:spcPts val="1000"/>
+              </a:spcBef>
+              <a:spcAft>
+                <a:spcPts val="0"/>
+              </a:spcAft>
+              <a:buSzPts val="1400"/>
+              <a:buChar char="◈"/>
+            </a:pPr>
+            <a:r>
+              <a:rPr lang="hu-HU" sz="3200"/>
+              <a:t>Ivóvíz</a:t>
+            </a:r>
+          </a:p>
+        </p:txBody>
+      </p:sp>
+      <p:sp>
+        <p:nvSpPr>
+          <p:cNvPr id="195" name="Google Shape;195;p8"/>
+          <p:cNvSpPr txBox="1"/>
+          <p:nvPr/>
+        </p:nvSpPr>
+        <p:spPr>
+          <a:xfrm>
+            <a:off x="6494471" y="302747"/>
+            <a:ext cx="5442269" cy="1211081"/>
+          </a:xfrm>
+          <a:prstGeom prst="rect">
+            <a:avLst/>
+          </a:prstGeom>
+          <a:noFill/>
+          <a:ln>
+            <a:noFill/>
+          </a:ln>
+          <a:effectLst>
+            <a:outerShdw blurRad="25400">
+              <a:srgbClr val="000000">
+                <a:alpha val="45882"/>
+              </a:srgbClr>
+            </a:outerShdw>
+          </a:effectLst>
+        </p:spPr>
+        <p:txBody>
+          <a:bodyPr spcFirstLastPara="1" wrap="square" lIns="91425" tIns="45700" rIns="91425" bIns="45700" anchor="ctr" anchorCtr="0">
+            <a:normAutofit/>
+          </a:bodyPr>
+          <a:lstStyle/>
+          <a:p>
+            <a:pPr marL="0" marR="0" lvl="0" indent="0" algn="ctr" rtl="0">
+              <a:spcBef>
+                <a:spcPts val="0"/>
+              </a:spcBef>
+              <a:spcAft>
+                <a:spcPts val="0"/>
+              </a:spcAft>
+              <a:buClr>
+                <a:schemeClr val="lt2"/>
+              </a:buClr>
+              <a:buSzPts val="2800"/>
+              <a:buFont typeface="Lustria"/>
+              <a:buNone/>
+            </a:pPr>
+            <a:r>
+              <a:rPr lang="hu-HU" sz="3600" b="1" i="0" u="sng" strike="noStrike" cap="none">
+                <a:solidFill>
+                  <a:schemeClr val="lt2"/>
+                </a:solidFill>
+                <a:latin typeface="Lustria"/>
+                <a:ea typeface="Lustria"/>
+                <a:cs typeface="Lustria"/>
+                <a:sym typeface="Lustria"/>
+              </a:rPr>
+              <a:t>A kiránduláshoz ajánlott dolgok</a:t>
+            </a:r>
+            <a:endParaRPr lang="hu-HU" sz="3600" b="1" u="sng">
+              <a:solidFill>
+                <a:schemeClr val="lt2"/>
+              </a:solidFill>
+            </a:endParaRPr>
+          </a:p>
+        </p:txBody>
+      </p:sp>
+      <p:sp>
+        <p:nvSpPr>
+          <p:cNvPr id="196" name="Google Shape;196;p8"/>
+          <p:cNvSpPr txBox="1"/>
+          <p:nvPr/>
+        </p:nvSpPr>
+        <p:spPr>
+          <a:xfrm>
+            <a:off x="6497074" y="1586399"/>
+            <a:ext cx="4839305" cy="4058751"/>
+          </a:xfrm>
+          <a:prstGeom prst="rect">
+            <a:avLst/>
+          </a:prstGeom>
+          <a:noFill/>
+          <a:ln>
+            <a:noFill/>
+          </a:ln>
+          <a:effectLst>
+            <a:outerShdw blurRad="25400">
+              <a:srgbClr val="000000">
+                <a:alpha val="45882"/>
+              </a:srgbClr>
+            </a:outerShdw>
+          </a:effectLst>
+        </p:spPr>
+        <p:txBody>
+          <a:bodyPr spcFirstLastPara="1" wrap="square" lIns="91425" tIns="45700" rIns="91425" bIns="45700" anchor="t" anchorCtr="0">
+            <a:normAutofit/>
+          </a:bodyPr>
+          <a:lstStyle/>
+          <a:p>
+            <a:pPr marL="36900" marR="0" lvl="0" indent="0" algn="l" rtl="0">
+              <a:spcBef>
+                <a:spcPts val="0"/>
+              </a:spcBef>
+              <a:spcAft>
+                <a:spcPts val="0"/>
+              </a:spcAft>
+              <a:buClr>
+                <a:schemeClr val="lt2"/>
+              </a:buClr>
+              <a:buSzPts val="1400"/>
+              <a:buFont typeface="Noto Sans Symbols"/>
+              <a:buNone/>
+            </a:pPr>
+            <a:endParaRPr sz="2000" b="0" i="0" u="none" strike="noStrike" cap="none">
+              <a:solidFill>
+                <a:schemeClr val="lt2"/>
+              </a:solidFill>
+              <a:latin typeface="Lustria"/>
+              <a:ea typeface="Lustria"/>
+              <a:cs typeface="Lustria"/>
+              <a:sym typeface="Lustria"/>
+            </a:endParaRPr>
+          </a:p>
+        </p:txBody>
+      </p:sp>
+      <p:sp>
+        <p:nvSpPr>
+          <p:cNvPr id="197" name="Google Shape;197;p8"/>
+          <p:cNvSpPr txBox="1"/>
+          <p:nvPr/>
+        </p:nvSpPr>
+        <p:spPr>
+          <a:xfrm>
+            <a:off x="6796430" y="1732449"/>
+            <a:ext cx="4839305" cy="4058751"/>
+          </a:xfrm>
+          <a:prstGeom prst="rect">
+            <a:avLst/>
+          </a:prstGeom>
+          <a:noFill/>
+          <a:ln>
+            <a:noFill/>
+          </a:ln>
+          <a:effectLst>
+            <a:outerShdw blurRad="25400">
+              <a:srgbClr val="000000">
+                <a:alpha val="45882"/>
+              </a:srgbClr>
+            </a:outerShdw>
+          </a:effectLst>
+        </p:spPr>
+        <p:txBody>
+          <a:bodyPr spcFirstLastPara="1" wrap="square" lIns="91425" tIns="45700" rIns="91425" bIns="45700" anchor="t" anchorCtr="0">
+            <a:normAutofit/>
+          </a:bodyPr>
+          <a:lstStyle/>
+          <a:p>
+            <a:pPr marL="342900" marR="0" lvl="0" indent="-305435" algn="l" rtl="0">
+              <a:spcBef>
+                <a:spcPts val="0"/>
+              </a:spcBef>
+              <a:spcAft>
+                <a:spcPts val="0"/>
+              </a:spcAft>
+              <a:buClr>
+                <a:schemeClr val="lt2"/>
+              </a:buClr>
+              <a:buSzPts val="1400"/>
+              <a:buFont typeface="Noto Sans Symbols"/>
+              <a:buChar char="◈"/>
+            </a:pPr>
+            <a:r>
+              <a:rPr lang="hu-HU" sz="3200">
+                <a:solidFill>
+                  <a:schemeClr val="lt2"/>
+                </a:solidFill>
+                <a:latin typeface="Lustria"/>
+                <a:ea typeface="Lustria"/>
+                <a:cs typeface="Lustria"/>
+                <a:sym typeface="Lustria"/>
+              </a:rPr>
+              <a:t>Fürdőruha</a:t>
+            </a:r>
+            <a:endParaRPr lang="hu-HU" sz="3200">
+              <a:solidFill>
+                <a:schemeClr val="lt2"/>
+              </a:solidFill>
+            </a:endParaRPr>
+          </a:p>
+          <a:p>
+            <a:pPr marL="342900" marR="0" lvl="0" indent="-305435" algn="l" rtl="0">
+              <a:spcBef>
+                <a:spcPts val="1000"/>
+              </a:spcBef>
+              <a:spcAft>
+                <a:spcPts val="0"/>
+              </a:spcAft>
+              <a:buClr>
+                <a:schemeClr val="lt2"/>
+              </a:buClr>
+              <a:buSzPts val="1400"/>
+              <a:buFont typeface="Noto Sans Symbols"/>
+              <a:buChar char="◈"/>
+            </a:pPr>
+            <a:r>
+              <a:rPr lang="hu-HU" sz="3200" b="0" i="0" u="none" strike="noStrike" cap="none">
+                <a:solidFill>
+                  <a:schemeClr val="lt2"/>
+                </a:solidFill>
+                <a:latin typeface="Lustria"/>
+                <a:ea typeface="Lustria"/>
+                <a:cs typeface="Lustria"/>
+                <a:sym typeface="Lustria"/>
+              </a:rPr>
+              <a:t>Esőkabát, Esernyő</a:t>
+            </a:r>
+            <a:endParaRPr sz="3200">
+              <a:solidFill>
+                <a:schemeClr val="lt2"/>
+              </a:solidFill>
+            </a:endParaRPr>
+          </a:p>
+          <a:p>
+            <a:pPr marL="342900" marR="0" lvl="0" indent="-305435" algn="l" rtl="0">
+              <a:spcBef>
+                <a:spcPts val="1000"/>
+              </a:spcBef>
+              <a:spcAft>
+                <a:spcPts val="0"/>
+              </a:spcAft>
+              <a:buClr>
+                <a:schemeClr val="lt2"/>
+              </a:buClr>
+              <a:buSzPts val="1400"/>
+              <a:buFont typeface="Noto Sans Symbols"/>
+              <a:buChar char="◈"/>
+            </a:pPr>
+            <a:r>
+              <a:rPr lang="hu-HU" sz="3200" b="0" i="0" u="none" strike="noStrike" cap="none">
+                <a:solidFill>
+                  <a:schemeClr val="lt2"/>
+                </a:solidFill>
+                <a:latin typeface="Lustria"/>
+                <a:ea typeface="Lustria"/>
+                <a:cs typeface="Lustria"/>
+                <a:sym typeface="Lustria"/>
+              </a:rPr>
+              <a:t>Telefontöltő, </a:t>
+            </a:r>
+            <a:r>
+              <a:rPr lang="hu-HU" sz="3200" b="0" i="0" u="none" strike="noStrike" cap="none" err="1">
+                <a:solidFill>
+                  <a:schemeClr val="lt2"/>
+                </a:solidFill>
+                <a:latin typeface="Lustria"/>
+                <a:ea typeface="Lustria"/>
+                <a:cs typeface="Lustria"/>
+                <a:sym typeface="Lustria"/>
+              </a:rPr>
+              <a:t>Powerbank</a:t>
+            </a:r>
+            <a:endParaRPr sz="3200" err="1">
+              <a:solidFill>
+                <a:schemeClr val="lt2"/>
+              </a:solidFill>
+            </a:endParaRPr>
+          </a:p>
+          <a:p>
+            <a:pPr marL="342900" marR="0" lvl="0" indent="-305435" algn="l" rtl="0">
+              <a:spcBef>
+                <a:spcPts val="1000"/>
+              </a:spcBef>
+              <a:spcAft>
+                <a:spcPts val="0"/>
+              </a:spcAft>
+              <a:buClr>
+                <a:schemeClr val="lt2"/>
+              </a:buClr>
+              <a:buSzPts val="1400"/>
+              <a:buFont typeface="Noto Sans Symbols"/>
+              <a:buChar char="◈"/>
+            </a:pPr>
+            <a:r>
+              <a:rPr lang="hu-HU" sz="3200" b="0" i="0" u="none" strike="noStrike" cap="none">
+                <a:solidFill>
+                  <a:schemeClr val="lt2"/>
+                </a:solidFill>
+                <a:latin typeface="Lustria"/>
+                <a:ea typeface="Lustria"/>
+                <a:cs typeface="Lustria"/>
+                <a:sym typeface="Lustria"/>
+              </a:rPr>
+              <a:t>Naptej, Napszemüveg</a:t>
+            </a:r>
+            <a:endParaRPr sz="3200">
+              <a:solidFill>
+                <a:schemeClr val="lt2"/>
+              </a:solidFill>
+            </a:endParaRPr>
+          </a:p>
+          <a:p>
+            <a:pPr marL="342900" marR="0" lvl="0" indent="-305435" algn="l" rtl="0">
+              <a:spcBef>
+                <a:spcPts val="1000"/>
+              </a:spcBef>
+              <a:spcAft>
+                <a:spcPts val="0"/>
+              </a:spcAft>
+              <a:buClr>
+                <a:schemeClr val="lt2"/>
+              </a:buClr>
+              <a:buSzPts val="1400"/>
+              <a:buFont typeface="Noto Sans Symbols"/>
+              <a:buChar char="◈"/>
+            </a:pPr>
+            <a:r>
+              <a:rPr lang="hu-HU" sz="3200" b="0" i="0" u="none" strike="noStrike" cap="none">
+                <a:solidFill>
+                  <a:schemeClr val="lt2"/>
+                </a:solidFill>
+                <a:latin typeface="Lustria"/>
+                <a:ea typeface="Lustria"/>
+                <a:cs typeface="Lustria"/>
+                <a:sym typeface="Lustria"/>
+              </a:rPr>
+              <a:t>Harapnivalók</a:t>
+            </a:r>
+            <a:endParaRPr sz="3200">
+              <a:solidFill>
+                <a:schemeClr val="lt2"/>
+              </a:solidFill>
+            </a:endParaRPr>
+          </a:p>
+          <a:p>
+            <a:pPr marL="342900" marR="0" lvl="0" indent="-216535" algn="l" rtl="0">
+              <a:spcBef>
+                <a:spcPts val="1000"/>
+              </a:spcBef>
+              <a:spcAft>
+                <a:spcPts val="0"/>
+              </a:spcAft>
+              <a:buClr>
+                <a:schemeClr val="lt2"/>
+              </a:buClr>
+              <a:buSzPts val="1400"/>
+              <a:buFont typeface="Noto Sans Symbols"/>
+              <a:buNone/>
+            </a:pPr>
+            <a:endParaRPr sz="2000" b="0" i="0" u="none" strike="noStrike" cap="none">
+              <a:solidFill>
+                <a:schemeClr val="lt2"/>
+              </a:solidFill>
+              <a:latin typeface="Lustria"/>
+              <a:ea typeface="Lustria"/>
+              <a:cs typeface="Lustria"/>
+            </a:endParaRPr>
+          </a:p>
+          <a:p>
+            <a:pPr marL="342900" marR="0" lvl="0" indent="-216535" algn="l" rtl="0">
+              <a:spcBef>
+                <a:spcPts val="1000"/>
+              </a:spcBef>
+              <a:spcAft>
+                <a:spcPts val="0"/>
+              </a:spcAft>
+              <a:buClr>
+                <a:schemeClr val="lt2"/>
+              </a:buClr>
+              <a:buSzPts val="1400"/>
+              <a:buFont typeface="Noto Sans Symbols"/>
+              <a:buNone/>
+            </a:pPr>
+            <a:endParaRPr sz="2000" b="0" i="0" u="none" strike="noStrike" cap="none">
+              <a:solidFill>
+                <a:schemeClr val="lt2"/>
+              </a:solidFill>
+              <a:latin typeface="Lustria"/>
+              <a:ea typeface="Lustria"/>
+              <a:cs typeface="Lustria"/>
+            </a:endParaRPr>
+          </a:p>
+        </p:txBody>
+      </p:sp>
+      <p:cxnSp>
+        <p:nvCxnSpPr>
+          <p:cNvPr id="2" name="Egyenes összekötő nyíllal 1">
+            <a:extLst>
+              <a:ext uri="{FF2B5EF4-FFF2-40B4-BE49-F238E27FC236}">
+                <a16:creationId xmlns:a16="http://schemas.microsoft.com/office/drawing/2014/main" id="{41B380DE-3CE6-5809-3EAA-232111D78F24}"/>
+              </a:ext>
+            </a:extLst>
+          </p:cNvPr>
+          <p:cNvCxnSpPr/>
+          <p:nvPr/>
+        </p:nvCxnSpPr>
+        <p:spPr>
+          <a:xfrm flipH="1">
+            <a:off x="6082393" y="281214"/>
+            <a:ext cx="19956" cy="6302826"/>
+          </a:xfrm>
+          <a:prstGeom prst="straightConnector1">
+            <a:avLst/>
+          </a:prstGeom>
+          <a:ln>
+            <a:solidFill>
+              <a:schemeClr val="bg1">
+                <a:lumMod val="75000"/>
+              </a:schemeClr>
+            </a:solidFill>
+          </a:ln>
+        </p:spPr>
+        <p:style>
+          <a:lnRef idx="3">
+            <a:schemeClr val="dk1"/>
+          </a:lnRef>
+          <a:fillRef idx="0">
+            <a:schemeClr val="dk1"/>
+          </a:fillRef>
+          <a:effectRef idx="2">
+            <a:schemeClr val="dk1"/>
+          </a:effectRef>
+          <a:fontRef idx="minor">
+            <a:schemeClr val="tx1"/>
+          </a:fontRef>
+        </p:style>
+      </p:cxnSp>
+    </p:spTree>
+  </p:cSld>
+  <p:clrMapOvr>
+    <a:masterClrMapping/>
+  </p:clrMapOvr>
+  <p:transition spd="slow">
+    <p:push/>
+  </p:transition>
+  <p:timing>
+    <p:tnLst>
+      <p:par>
+        <p:cTn id="1" dur="indefinite" restart="never" nodeType="tmRoot">
+          <p:childTnLst>
+            <p:seq concurrent="1" nextAc="seek">
+              <p:cTn id="2" dur="indefinite" nodeType="mainSeq">
+                <p:childTnLst>
+                  <p:par>
+                    <p:cTn id="3" fill="hold">
+                      <p:stCondLst>
+                        <p:cond delay="indefinite"/>
+                      </p:stCondLst>
+                      <p:childTnLst>
+                        <p:par>
+                          <p:cTn id="4" fill="hold">
+                            <p:stCondLst>
+                              <p:cond delay="0"/>
+                            </p:stCondLst>
+                            <p:childTnLst>
+                              <p:par>
+                                <p:cTn id="5" presetID="2" presetClass="entr" presetSubtype="1" fill="hold" nodeType="clickEffect">
+                                  <p:stCondLst>
+                                    <p:cond delay="0"/>
+                                  </p:stCondLst>
+                                  <p:childTnLst>
+                                    <p:set>
+                                      <p:cBhvr>
+                                        <p:cTn id="6" dur="1" fill="hold">
+                                          <p:stCondLst>
+                                            <p:cond delay="0"/>
+                                          </p:stCondLst>
+                                        </p:cTn>
+                                        <p:tgtEl>
+                                          <p:spTgt spid="2"/>
+                                        </p:tgtEl>
+                                        <p:attrNameLst>
+                                          <p:attrName>style.visibility</p:attrName>
+                                        </p:attrNameLst>
+                                      </p:cBhvr>
+                                      <p:to>
+                                        <p:strVal val="visible"/>
+                                      </p:to>
+                                    </p:set>
+                                    <p:anim calcmode="lin" valueType="num">
+                                      <p:cBhvr additive="base">
+                                        <p:cTn id="7" dur="1000" fill="hold"/>
+                                        <p:tgtEl>
+                                          <p:spTgt spid="2"/>
+                                        </p:tgtEl>
+                                        <p:attrNameLst>
+                                          <p:attrName>ppt_x</p:attrName>
+                                        </p:attrNameLst>
+                                      </p:cBhvr>
+                                      <p:tavLst>
+                                        <p:tav tm="0">
+                                          <p:val>
+                                            <p:strVal val="#ppt_x"/>
+                                          </p:val>
+                                        </p:tav>
+                                        <p:tav tm="100000">
+                                          <p:val>
+                                            <p:strVal val="#ppt_x"/>
+                                          </p:val>
+                                        </p:tav>
+                                      </p:tavLst>
+                                    </p:anim>
+                                    <p:anim calcmode="lin" valueType="num">
+                                      <p:cBhvr additive="base">
+                                        <p:cTn id="8" dur="1000" fill="hold"/>
+                                        <p:tgtEl>
+                                          <p:spTgt spid="2"/>
+                                        </p:tgtEl>
+                                        <p:attrNameLst>
+                                          <p:attrName>ppt_y</p:attrName>
+                                        </p:attrNameLst>
+                                      </p:cBhvr>
+                                      <p:tavLst>
+                                        <p:tav tm="0">
+                                          <p:val>
+                                            <p:strVal val="0-#ppt_h/2"/>
+                                          </p:val>
+                                        </p:tav>
+                                        <p:tav tm="100000">
+                                          <p:val>
+                                            <p:strVal val="#ppt_y"/>
+                                          </p:val>
+                                        </p:tav>
+                                      </p:tavLst>
+                                    </p:anim>
+                                  </p:childTnLst>
+                                </p:cTn>
+                              </p:par>
+                              <p:par>
+                                <p:cTn id="9" presetID="2" presetClass="entr" presetSubtype="2" fill="hold" grpId="0" nodeType="withEffect">
+                                  <p:stCondLst>
+                                    <p:cond delay="0"/>
+                                  </p:stCondLst>
+                                  <p:childTnLst>
+                                    <p:set>
+                                      <p:cBhvr>
+                                        <p:cTn id="10" dur="1" fill="hold">
+                                          <p:stCondLst>
+                                            <p:cond delay="0"/>
+                                          </p:stCondLst>
+                                        </p:cTn>
+                                        <p:tgtEl>
+                                          <p:spTgt spid="195"/>
+                                        </p:tgtEl>
+                                        <p:attrNameLst>
+                                          <p:attrName>style.visibility</p:attrName>
+                                        </p:attrNameLst>
+                                      </p:cBhvr>
+                                      <p:to>
+                                        <p:strVal val="visible"/>
+                                      </p:to>
+                                    </p:set>
+                                    <p:anim calcmode="lin" valueType="num">
+                                      <p:cBhvr additive="base">
+                                        <p:cTn id="11" dur="1000" fill="hold"/>
+                                        <p:tgtEl>
+                                          <p:spTgt spid="195"/>
+                                        </p:tgtEl>
+                                        <p:attrNameLst>
+                                          <p:attrName>ppt_x</p:attrName>
+                                        </p:attrNameLst>
+                                      </p:cBhvr>
+                                      <p:tavLst>
+                                        <p:tav tm="0">
+                                          <p:val>
+                                            <p:strVal val="1+#ppt_w/2"/>
+                                          </p:val>
+                                        </p:tav>
+                                        <p:tav tm="100000">
+                                          <p:val>
+                                            <p:strVal val="#ppt_x"/>
+                                          </p:val>
+                                        </p:tav>
+                                      </p:tavLst>
+                                    </p:anim>
+                                    <p:anim calcmode="lin" valueType="num">
+                                      <p:cBhvr additive="base">
+                                        <p:cTn id="12" dur="1000" fill="hold"/>
+                                        <p:tgtEl>
+                                          <p:spTgt spid="195"/>
+                                        </p:tgtEl>
+                                        <p:attrNameLst>
+                                          <p:attrName>ppt_y</p:attrName>
+                                        </p:attrNameLst>
+                                      </p:cBhvr>
+                                      <p:tavLst>
+                                        <p:tav tm="0">
+                                          <p:val>
+                                            <p:strVal val="#ppt_y"/>
+                                          </p:val>
+                                        </p:tav>
+                                        <p:tav tm="100000">
+                                          <p:val>
+                                            <p:strVal val="#ppt_y"/>
+                                          </p:val>
+                                        </p:tav>
+                                      </p:tavLst>
+                                    </p:anim>
+                                  </p:childTnLst>
+                                </p:cTn>
+                              </p:par>
+                              <p:par>
+                                <p:cTn id="13" presetID="2" presetClass="entr" presetSubtype="8" fill="hold" grpId="0" nodeType="withEffect">
+                                  <p:stCondLst>
+                                    <p:cond delay="0"/>
+                                  </p:stCondLst>
+                                  <p:childTnLst>
+                                    <p:set>
+                                      <p:cBhvr>
+                                        <p:cTn id="14" dur="1" fill="hold">
+                                          <p:stCondLst>
+                                            <p:cond delay="0"/>
+                                          </p:stCondLst>
+                                        </p:cTn>
+                                        <p:tgtEl>
+                                          <p:spTgt spid="193"/>
+                                        </p:tgtEl>
+                                        <p:attrNameLst>
+                                          <p:attrName>style.visibility</p:attrName>
+                                        </p:attrNameLst>
+                                      </p:cBhvr>
+                                      <p:to>
+                                        <p:strVal val="visible"/>
+                                      </p:to>
+                                    </p:set>
+                                    <p:anim calcmode="lin" valueType="num">
+                                      <p:cBhvr additive="base">
+                                        <p:cTn id="15" dur="1000" fill="hold"/>
+                                        <p:tgtEl>
+                                          <p:spTgt spid="193"/>
+                                        </p:tgtEl>
+                                        <p:attrNameLst>
+                                          <p:attrName>ppt_x</p:attrName>
+                                        </p:attrNameLst>
+                                      </p:cBhvr>
+                                      <p:tavLst>
+                                        <p:tav tm="0">
+                                          <p:val>
+                                            <p:strVal val="0-#ppt_w/2"/>
+                                          </p:val>
+                                        </p:tav>
+                                        <p:tav tm="100000">
+                                          <p:val>
+                                            <p:strVal val="#ppt_x"/>
+                                          </p:val>
+                                        </p:tav>
+                                      </p:tavLst>
+                                    </p:anim>
+                                    <p:anim calcmode="lin" valueType="num">
+                                      <p:cBhvr additive="base">
+                                        <p:cTn id="16" dur="1000" fill="hold"/>
+                                        <p:tgtEl>
+                                          <p:spTgt spid="193"/>
+                                        </p:tgtEl>
+                                        <p:attrNameLst>
+                                          <p:attrName>ppt_y</p:attrName>
+                                        </p:attrNameLst>
+                                      </p:cBhvr>
+                                      <p:tavLst>
+                                        <p:tav tm="0">
+                                          <p:val>
+                                            <p:strVal val="#ppt_y"/>
+                                          </p:val>
+                                        </p:tav>
+                                        <p:tav tm="100000">
+                                          <p:val>
+                                            <p:strVal val="#ppt_y"/>
+                                          </p:val>
+                                        </p:tav>
+                                      </p:tavLst>
+                                    </p:anim>
+                                  </p:childTnLst>
+                                </p:cTn>
+                              </p:par>
+                            </p:childTnLst>
+                          </p:cTn>
+                        </p:par>
+                      </p:childTnLst>
+                    </p:cTn>
+                  </p:par>
+                  <p:par>
+                    <p:cTn id="17" fill="hold">
+                      <p:stCondLst>
+                        <p:cond delay="indefinite"/>
+                      </p:stCondLst>
+                      <p:childTnLst>
+                        <p:par>
+                          <p:cTn id="18" fill="hold">
+                            <p:stCondLst>
+                              <p:cond delay="0"/>
+                            </p:stCondLst>
+                            <p:childTnLst>
+                              <p:par>
+                                <p:cTn id="19" presetID="2" presetClass="entr" presetSubtype="8" fill="hold" grpId="0" nodeType="clickEffect">
+                                  <p:stCondLst>
+                                    <p:cond delay="2000"/>
+                                  </p:stCondLst>
+                                  <p:childTnLst>
+                                    <p:set>
+                                      <p:cBhvr>
+                                        <p:cTn id="20" dur="1" fill="hold">
+                                          <p:stCondLst>
+                                            <p:cond delay="0"/>
+                                          </p:stCondLst>
+                                        </p:cTn>
+                                        <p:tgtEl>
+                                          <p:spTgt spid="194">
+                                            <p:txEl>
+                                              <p:pRg st="0" end="0"/>
+                                            </p:txEl>
+                                          </p:spTgt>
+                                        </p:tgtEl>
+                                        <p:attrNameLst>
+                                          <p:attrName>style.visibility</p:attrName>
+                                        </p:attrNameLst>
+                                      </p:cBhvr>
+                                      <p:to>
+                                        <p:strVal val="visible"/>
+                                      </p:to>
+                                    </p:set>
+                                    <p:anim calcmode="lin" valueType="num">
+                                      <p:cBhvr additive="base">
+                                        <p:cTn id="21" dur="1000" fill="hold"/>
+                                        <p:tgtEl>
+                                          <p:spTgt spid="194">
+                                            <p:txEl>
+                                              <p:pRg st="0" end="0"/>
+                                            </p:txEl>
+                                          </p:spTgt>
+                                        </p:tgtEl>
+                                        <p:attrNameLst>
+                                          <p:attrName>ppt_x</p:attrName>
+                                        </p:attrNameLst>
+                                      </p:cBhvr>
+                                      <p:tavLst>
+                                        <p:tav tm="0">
+                                          <p:val>
+                                            <p:strVal val="0-#ppt_w/2"/>
+                                          </p:val>
+                                        </p:tav>
+                                        <p:tav tm="100000">
+                                          <p:val>
+                                            <p:strVal val="#ppt_x"/>
+                                          </p:val>
+                                        </p:tav>
+                                      </p:tavLst>
+                                    </p:anim>
+                                    <p:anim calcmode="lin" valueType="num">
+                                      <p:cBhvr additive="base">
+                                        <p:cTn id="22" dur="1000" fill="hold"/>
+                                        <p:tgtEl>
+                                          <p:spTgt spid="194">
+                                            <p:txEl>
+                                              <p:pRg st="0" end="0"/>
+                                            </p:txEl>
+                                          </p:spTgt>
+                                        </p:tgtEl>
+                                        <p:attrNameLst>
+                                          <p:attrName>ppt_y</p:attrName>
+                                        </p:attrNameLst>
+                                      </p:cBhvr>
+                                      <p:tavLst>
+                                        <p:tav tm="0">
+                                          <p:val>
+                                            <p:strVal val="#ppt_y"/>
+                                          </p:val>
+                                        </p:tav>
+                                        <p:tav tm="100000">
+                                          <p:val>
+                                            <p:strVal val="#ppt_y"/>
+                                          </p:val>
+                                        </p:tav>
+                                      </p:tavLst>
+                                    </p:anim>
+                                  </p:childTnLst>
+                                </p:cTn>
+                              </p:par>
+                            </p:childTnLst>
+                          </p:cTn>
+                        </p:par>
+                      </p:childTnLst>
+                    </p:cTn>
+                  </p:par>
+                  <p:par>
+                    <p:cTn id="23" fill="hold">
+                      <p:stCondLst>
+                        <p:cond delay="indefinite"/>
+                      </p:stCondLst>
+                      <p:childTnLst>
+                        <p:par>
+                          <p:cTn id="24" fill="hold">
+                            <p:stCondLst>
+                              <p:cond delay="0"/>
+                            </p:stCondLst>
+                            <p:childTnLst>
+                              <p:par>
+                                <p:cTn id="25" presetID="2" presetClass="entr" presetSubtype="8" fill="hold" grpId="0" nodeType="clickEffect">
+                                  <p:stCondLst>
+                                    <p:cond delay="2000"/>
+                                  </p:stCondLst>
+                                  <p:childTnLst>
+                                    <p:set>
+                                      <p:cBhvr>
+                                        <p:cTn id="26" dur="1" fill="hold">
+                                          <p:stCondLst>
+                                            <p:cond delay="0"/>
+                                          </p:stCondLst>
+                                        </p:cTn>
+                                        <p:tgtEl>
+                                          <p:spTgt spid="194">
+                                            <p:txEl>
+                                              <p:pRg st="1" end="1"/>
+                                            </p:txEl>
+                                          </p:spTgt>
+                                        </p:tgtEl>
+                                        <p:attrNameLst>
+                                          <p:attrName>style.visibility</p:attrName>
+                                        </p:attrNameLst>
+                                      </p:cBhvr>
+                                      <p:to>
+                                        <p:strVal val="visible"/>
+                                      </p:to>
+                                    </p:set>
+                                    <p:anim calcmode="lin" valueType="num">
+                                      <p:cBhvr additive="base">
+                                        <p:cTn id="27" dur="1000" fill="hold"/>
+                                        <p:tgtEl>
+                                          <p:spTgt spid="194">
+                                            <p:txEl>
+                                              <p:pRg st="1" end="1"/>
+                                            </p:txEl>
+                                          </p:spTgt>
+                                        </p:tgtEl>
+                                        <p:attrNameLst>
+                                          <p:attrName>ppt_x</p:attrName>
+                                        </p:attrNameLst>
+                                      </p:cBhvr>
+                                      <p:tavLst>
+                                        <p:tav tm="0">
+                                          <p:val>
+                                            <p:strVal val="0-#ppt_w/2"/>
+                                          </p:val>
+                                        </p:tav>
+                                        <p:tav tm="100000">
+                                          <p:val>
+                                            <p:strVal val="#ppt_x"/>
+                                          </p:val>
+                                        </p:tav>
+                                      </p:tavLst>
+                                    </p:anim>
+                                    <p:anim calcmode="lin" valueType="num">
+                                      <p:cBhvr additive="base">
+                                        <p:cTn id="28" dur="1000" fill="hold"/>
+                                        <p:tgtEl>
+                                          <p:spTgt spid="194">
+                                            <p:txEl>
+                                              <p:pRg st="1" end="1"/>
+                                            </p:txEl>
+                                          </p:spTgt>
+                                        </p:tgtEl>
+                                        <p:attrNameLst>
+                                          <p:attrName>ppt_y</p:attrName>
+                                        </p:attrNameLst>
+                                      </p:cBhvr>
+                                      <p:tavLst>
+                                        <p:tav tm="0">
+                                          <p:val>
+                                            <p:strVal val="#ppt_y"/>
+                                          </p:val>
+                                        </p:tav>
+                                        <p:tav tm="100000">
+                                          <p:val>
+                                            <p:strVal val="#ppt_y"/>
+                                          </p:val>
+                                        </p:tav>
+                                      </p:tavLst>
+                                    </p:anim>
+                                  </p:childTnLst>
+                                </p:cTn>
+                              </p:par>
+                            </p:childTnLst>
+                          </p:cTn>
+                        </p:par>
+                      </p:childTnLst>
+                    </p:cTn>
+                  </p:par>
+                  <p:par>
+                    <p:cTn id="29" fill="hold">
+                      <p:stCondLst>
+                        <p:cond delay="indefinite"/>
+                      </p:stCondLst>
+                      <p:childTnLst>
+                        <p:par>
+                          <p:cTn id="30" fill="hold">
+                            <p:stCondLst>
+                              <p:cond delay="0"/>
+                            </p:stCondLst>
+                            <p:childTnLst>
+                              <p:par>
+                                <p:cTn id="31" presetID="2" presetClass="entr" presetSubtype="8" fill="hold" grpId="0" nodeType="clickEffect">
+                                  <p:stCondLst>
+                                    <p:cond delay="2000"/>
+                                  </p:stCondLst>
+                                  <p:childTnLst>
+                                    <p:set>
+                                      <p:cBhvr>
+                                        <p:cTn id="32" dur="1" fill="hold">
+                                          <p:stCondLst>
+                                            <p:cond delay="0"/>
+                                          </p:stCondLst>
+                                        </p:cTn>
+                                        <p:tgtEl>
+                                          <p:spTgt spid="194">
+                                            <p:txEl>
+                                              <p:pRg st="2" end="2"/>
+                                            </p:txEl>
+                                          </p:spTgt>
+                                        </p:tgtEl>
+                                        <p:attrNameLst>
+                                          <p:attrName>style.visibility</p:attrName>
+                                        </p:attrNameLst>
+                                      </p:cBhvr>
+                                      <p:to>
+                                        <p:strVal val="visible"/>
+                                      </p:to>
+                                    </p:set>
+                                    <p:anim calcmode="lin" valueType="num">
+                                      <p:cBhvr additive="base">
+                                        <p:cTn id="33" dur="1000" fill="hold"/>
+                                        <p:tgtEl>
+                                          <p:spTgt spid="194">
+                                            <p:txEl>
+                                              <p:pRg st="2" end="2"/>
+                                            </p:txEl>
+                                          </p:spTgt>
+                                        </p:tgtEl>
+                                        <p:attrNameLst>
+                                          <p:attrName>ppt_x</p:attrName>
+                                        </p:attrNameLst>
+                                      </p:cBhvr>
+                                      <p:tavLst>
+                                        <p:tav tm="0">
+                                          <p:val>
+                                            <p:strVal val="0-#ppt_w/2"/>
+                                          </p:val>
+                                        </p:tav>
+                                        <p:tav tm="100000">
+                                          <p:val>
+                                            <p:strVal val="#ppt_x"/>
+                                          </p:val>
+                                        </p:tav>
+                                      </p:tavLst>
+                                    </p:anim>
+                                    <p:anim calcmode="lin" valueType="num">
+                                      <p:cBhvr additive="base">
+                                        <p:cTn id="34" dur="1000" fill="hold"/>
+                                        <p:tgtEl>
+                                          <p:spTgt spid="194">
+                                            <p:txEl>
+                                              <p:pRg st="2" end="2"/>
+                                            </p:txEl>
+                                          </p:spTgt>
+                                        </p:tgtEl>
+                                        <p:attrNameLst>
+                                          <p:attrName>ppt_y</p:attrName>
+                                        </p:attrNameLst>
+                                      </p:cBhvr>
+                                      <p:tavLst>
+                                        <p:tav tm="0">
+                                          <p:val>
+                                            <p:strVal val="#ppt_y"/>
+                                          </p:val>
+                                        </p:tav>
+                                        <p:tav tm="100000">
+                                          <p:val>
+                                            <p:strVal val="#ppt_y"/>
+                                          </p:val>
+                                        </p:tav>
+                                      </p:tavLst>
+                                    </p:anim>
+                                  </p:childTnLst>
+                                </p:cTn>
+                              </p:par>
+                            </p:childTnLst>
+                          </p:cTn>
+                        </p:par>
+                      </p:childTnLst>
+                    </p:cTn>
+                  </p:par>
+                  <p:par>
+                    <p:cTn id="35" fill="hold">
+                      <p:stCondLst>
+                        <p:cond delay="indefinite"/>
+                      </p:stCondLst>
+                      <p:childTnLst>
+                        <p:par>
+                          <p:cTn id="36" fill="hold">
+                            <p:stCondLst>
+                              <p:cond delay="0"/>
+                            </p:stCondLst>
+                            <p:childTnLst>
+                              <p:par>
+                                <p:cTn id="37" presetID="2" presetClass="entr" presetSubtype="8" fill="hold" grpId="0" nodeType="clickEffect">
+                                  <p:stCondLst>
+                                    <p:cond delay="2000"/>
+                                  </p:stCondLst>
+                                  <p:childTnLst>
+                                    <p:set>
+                                      <p:cBhvr>
+                                        <p:cTn id="38" dur="1" fill="hold">
+                                          <p:stCondLst>
+                                            <p:cond delay="0"/>
+                                          </p:stCondLst>
+                                        </p:cTn>
+                                        <p:tgtEl>
+                                          <p:spTgt spid="194">
+                                            <p:txEl>
+                                              <p:pRg st="3" end="3"/>
+                                            </p:txEl>
+                                          </p:spTgt>
+                                        </p:tgtEl>
+                                        <p:attrNameLst>
+                                          <p:attrName>style.visibility</p:attrName>
+                                        </p:attrNameLst>
+                                      </p:cBhvr>
+                                      <p:to>
+                                        <p:strVal val="visible"/>
+                                      </p:to>
+                                    </p:set>
+                                    <p:anim calcmode="lin" valueType="num">
+                                      <p:cBhvr additive="base">
+                                        <p:cTn id="39" dur="1000" fill="hold"/>
+                                        <p:tgtEl>
+                                          <p:spTgt spid="194">
+                                            <p:txEl>
+                                              <p:pRg st="3" end="3"/>
+                                            </p:txEl>
+                                          </p:spTgt>
+                                        </p:tgtEl>
+                                        <p:attrNameLst>
+                                          <p:attrName>ppt_x</p:attrName>
+                                        </p:attrNameLst>
+                                      </p:cBhvr>
+                                      <p:tavLst>
+                                        <p:tav tm="0">
+                                          <p:val>
+                                            <p:strVal val="0-#ppt_w/2"/>
+                                          </p:val>
+                                        </p:tav>
+                                        <p:tav tm="100000">
+                                          <p:val>
+                                            <p:strVal val="#ppt_x"/>
+                                          </p:val>
+                                        </p:tav>
+                                      </p:tavLst>
+                                    </p:anim>
+                                    <p:anim calcmode="lin" valueType="num">
+                                      <p:cBhvr additive="base">
+                                        <p:cTn id="40" dur="1000" fill="hold"/>
+                                        <p:tgtEl>
+                                          <p:spTgt spid="194">
+                                            <p:txEl>
+                                              <p:pRg st="3" end="3"/>
+                                            </p:txEl>
+                                          </p:spTgt>
+                                        </p:tgtEl>
+                                        <p:attrNameLst>
+                                          <p:attrName>ppt_y</p:attrName>
+                                        </p:attrNameLst>
+                                      </p:cBhvr>
+                                      <p:tavLst>
+                                        <p:tav tm="0">
+                                          <p:val>
+                                            <p:strVal val="#ppt_y"/>
+                                          </p:val>
+                                        </p:tav>
+                                        <p:tav tm="100000">
+                                          <p:val>
+                                            <p:strVal val="#ppt_y"/>
+                                          </p:val>
+                                        </p:tav>
+                                      </p:tavLst>
+                                    </p:anim>
+                                  </p:childTnLst>
+                                </p:cTn>
+                              </p:par>
+                            </p:childTnLst>
+                          </p:cTn>
+                        </p:par>
+                      </p:childTnLst>
+                    </p:cTn>
+                  </p:par>
+                  <p:par>
+                    <p:cTn id="41" fill="hold">
+                      <p:stCondLst>
+                        <p:cond delay="indefinite"/>
+                      </p:stCondLst>
+                      <p:childTnLst>
+                        <p:par>
+                          <p:cTn id="42" fill="hold">
+                            <p:stCondLst>
+                              <p:cond delay="0"/>
+                            </p:stCondLst>
+                            <p:childTnLst>
+                              <p:par>
+                                <p:cTn id="43" presetID="2" presetClass="entr" presetSubtype="8" fill="hold" grpId="0" nodeType="clickEffect">
+                                  <p:stCondLst>
+                                    <p:cond delay="2000"/>
+                                  </p:stCondLst>
+                                  <p:childTnLst>
+                                    <p:set>
+                                      <p:cBhvr>
+                                        <p:cTn id="44" dur="1" fill="hold">
+                                          <p:stCondLst>
+                                            <p:cond delay="0"/>
+                                          </p:stCondLst>
+                                        </p:cTn>
+                                        <p:tgtEl>
+                                          <p:spTgt spid="194">
+                                            <p:txEl>
+                                              <p:pRg st="4" end="4"/>
+                                            </p:txEl>
+                                          </p:spTgt>
+                                        </p:tgtEl>
+                                        <p:attrNameLst>
+                                          <p:attrName>style.visibility</p:attrName>
+                                        </p:attrNameLst>
+                                      </p:cBhvr>
+                                      <p:to>
+                                        <p:strVal val="visible"/>
+                                      </p:to>
+                                    </p:set>
+                                    <p:anim calcmode="lin" valueType="num">
+                                      <p:cBhvr additive="base">
+                                        <p:cTn id="45" dur="1000" fill="hold"/>
+                                        <p:tgtEl>
+                                          <p:spTgt spid="194">
+                                            <p:txEl>
+                                              <p:pRg st="4" end="4"/>
+                                            </p:txEl>
+                                          </p:spTgt>
+                                        </p:tgtEl>
+                                        <p:attrNameLst>
+                                          <p:attrName>ppt_x</p:attrName>
+                                        </p:attrNameLst>
+                                      </p:cBhvr>
+                                      <p:tavLst>
+                                        <p:tav tm="0">
+                                          <p:val>
+                                            <p:strVal val="0-#ppt_w/2"/>
+                                          </p:val>
+                                        </p:tav>
+                                        <p:tav tm="100000">
+                                          <p:val>
+                                            <p:strVal val="#ppt_x"/>
+                                          </p:val>
+                                        </p:tav>
+                                      </p:tavLst>
+                                    </p:anim>
+                                    <p:anim calcmode="lin" valueType="num">
+                                      <p:cBhvr additive="base">
+                                        <p:cTn id="46" dur="1000" fill="hold"/>
+                                        <p:tgtEl>
+                                          <p:spTgt spid="194">
+                                            <p:txEl>
+                                              <p:pRg st="4" end="4"/>
+                                            </p:txEl>
+                                          </p:spTgt>
+                                        </p:tgtEl>
+                                        <p:attrNameLst>
+                                          <p:attrName>ppt_y</p:attrName>
+                                        </p:attrNameLst>
+                                      </p:cBhvr>
+                                      <p:tavLst>
+                                        <p:tav tm="0">
+                                          <p:val>
+                                            <p:strVal val="#ppt_y"/>
+                                          </p:val>
+                                        </p:tav>
+                                        <p:tav tm="100000">
+                                          <p:val>
+                                            <p:strVal val="#ppt_y"/>
+                                          </p:val>
+                                        </p:tav>
+                                      </p:tavLst>
+                                    </p:anim>
+                                  </p:childTnLst>
+                                </p:cTn>
+                              </p:par>
+                            </p:childTnLst>
+                          </p:cTn>
+                        </p:par>
+                      </p:childTnLst>
+                    </p:cTn>
+                  </p:par>
+                </p:childTnLst>
+              </p:cTn>
+              <p:prevCondLst>
+                <p:cond evt="onPrev" delay="0">
+                  <p:tgtEl>
+                    <p:sldTgt/>
+                  </p:tgtEl>
+                </p:cond>
+              </p:prevCondLst>
+              <p:nextCondLst>
+                <p:cond evt="onNext" delay="0">
+                  <p:tgtEl>
+                    <p:sldTgt/>
+                  </p:tgtEl>
+                </p:cond>
+              </p:nextCondLst>
+            </p:seq>
+          </p:childTnLst>
+        </p:cTn>
+      </p:par>
+    </p:tnLst>
+    <p:bldLst>
+      <p:bldP spid="193" grpId="0"/>
+      <p:bldP spid="194" grpId="0" build="p"/>
+      <p:bldP spid="195" grpId="0"/>
+    </p:bldLst>
+  </p:timing>
+</p:sld>
+</file>
+
+<file path=ppt/slides/slide11.xml><?xml version="1.0" encoding="utf-8"?>
+<p:sld xmlns:a="http://schemas.openxmlformats.org/drawingml/2006/main" xmlns:r="http://schemas.openxmlformats.org/officeDocument/2006/relationships" xmlns:p="http://schemas.openxmlformats.org/presentationml/2006/main">
+  <p:cSld>
+    <p:spTree>
+      <p:nvGrpSpPr>
         <p:cNvPr id="1" name="Shape 201"/>
         <p:cNvGrpSpPr/>
         <p:nvPr/>
@@ -18496,7 +19911,7 @@
 </p:sld>
 </file>
 
-<file path=ppt/slides/slide11.xml><?xml version="1.0" encoding="utf-8"?>
+<file path=ppt/slides/slide12.xml><?xml version="1.0" encoding="utf-8"?>
 <p:sld xmlns:a="http://schemas.openxmlformats.org/drawingml/2006/main" xmlns:r="http://schemas.openxmlformats.org/officeDocument/2006/relationships" xmlns:p="http://schemas.openxmlformats.org/presentationml/2006/main">
   <p:cSld>
     <p:spTree>
@@ -19109,7 +20524,7 @@
 </p:sld>
 </file>
 
-<file path=ppt/slides/slide12.xml><?xml version="1.0" encoding="utf-8"?>
+<file path=ppt/slides/slide13.xml><?xml version="1.0" encoding="utf-8"?>
 <p:sld xmlns:a="http://schemas.openxmlformats.org/drawingml/2006/main" xmlns:r="http://schemas.openxmlformats.org/officeDocument/2006/relationships" xmlns:p="http://schemas.openxmlformats.org/presentationml/2006/main">
   <p:cSld>
     <p:spTree>
@@ -20486,7 +21901,7 @@
 </p:sld>
 </file>
 
-<file path=ppt/slides/slide13.xml><?xml version="1.0" encoding="utf-8"?>
+<file path=ppt/slides/slide14.xml><?xml version="1.0" encoding="utf-8"?>
 <p:sld xmlns:a="http://schemas.openxmlformats.org/drawingml/2006/main" xmlns:r="http://schemas.openxmlformats.org/officeDocument/2006/relationships" xmlns:p="http://schemas.openxmlformats.org/presentationml/2006/main">
   <p:cSld>
     <p:spTree>
@@ -21666,7 +23081,7 @@
 </p:sld>
 </file>
 
-<file path=ppt/slides/slide14.xml><?xml version="1.0" encoding="utf-8"?>
+<file path=ppt/slides/slide15.xml><?xml version="1.0" encoding="utf-8"?>
 <p:sld xmlns:a="http://schemas.openxmlformats.org/drawingml/2006/main" xmlns:r="http://schemas.openxmlformats.org/officeDocument/2006/relationships" xmlns:p="http://schemas.openxmlformats.org/presentationml/2006/main">
   <p:cSld>
     <p:spTree>
@@ -22499,7 +23914,7 @@
 </p:sld>
 </file>
 
-<file path=ppt/slides/slide15.xml><?xml version="1.0" encoding="utf-8"?>
+<file path=ppt/slides/slide16.xml><?xml version="1.0" encoding="utf-8"?>
 <p:sld xmlns:a="http://schemas.openxmlformats.org/drawingml/2006/main" xmlns:r="http://schemas.openxmlformats.org/officeDocument/2006/relationships" xmlns:p="http://schemas.openxmlformats.org/presentationml/2006/main">
   <p:cSld>
     <p:spTree>
@@ -22579,32 +23994,32 @@
               <a:buNone/>
             </a:pPr>
             <a:r>
-              <a:rPr lang="hu-HU" sz="3200"/>
+              <a:rPr lang="hu-HU" sz="3200" dirty="0"/>
               <a:t>A mi osztálykirándulásunk tele van </a:t>
             </a:r>
             <a:r>
-              <a:rPr lang="hu-HU" sz="3200" u="sng"/>
+              <a:rPr lang="hu-HU" sz="3200" u="sng" dirty="0"/>
               <a:t>izgalmas programokkal</a:t>
             </a:r>
             <a:r>
-              <a:rPr lang="hu-HU" sz="3200"/>
+              <a:rPr lang="hu-HU" sz="3200" dirty="0"/>
               <a:t>, </a:t>
             </a:r>
             <a:r>
-              <a:rPr lang="hu-HU" sz="3200" u="sng"/>
+              <a:rPr lang="hu-HU" sz="3200" u="sng" dirty="0"/>
               <a:t>csodás helyszínekkel</a:t>
             </a:r>
             <a:r>
-              <a:rPr lang="hu-HU" sz="3200"/>
+              <a:rPr lang="hu-HU" sz="3200" dirty="0"/>
               <a:t> és olyan tevékenységekkel, amelyek </a:t>
             </a:r>
             <a:r>
-              <a:rPr lang="hu-HU" sz="3200" u="sng"/>
-              <a:t>örökre emlékezetessé teszik ezt a közös élményt.</a:t>
+              <a:rPr lang="hu-HU" sz="3200" u="sng" dirty="0"/>
+              <a:t>örökre emlékezetessé teszik ezt a közös </a:t>
             </a:r>
             <a:r>
-              <a:rPr lang="hu-HU" sz="3200"/>
-              <a:t> </a:t>
+              <a:rPr lang="hu-HU" sz="3200" u="sng"/>
+              <a:t>élményt.</a:t>
             </a:r>
             <a:endParaRPr lang="hu-HU"/>
           </a:p>
@@ -22906,7 +24321,7 @@
 </p:sld>
 </file>
 
-<file path=ppt/slides/slide16.xml><?xml version="1.0" encoding="utf-8"?>
+<file path=ppt/slides/slide17.xml><?xml version="1.0" encoding="utf-8"?>
 <p:sld xmlns:a="http://schemas.openxmlformats.org/drawingml/2006/main" xmlns:r="http://schemas.openxmlformats.org/officeDocument/2006/relationships" xmlns:p="http://schemas.openxmlformats.org/presentationml/2006/main">
   <p:cSld>
     <p:spTree>
@@ -23024,7 +24439,7 @@
               <a:buNone/>
             </a:pPr>
             <a:r>
-              <a:rPr lang="hu-HU" b="1" u="sng"/>
+              <a:rPr lang="hu-HU" b="1" u="sng" dirty="0"/>
               <a:t>Képek (Letöltés dátuma: 2024.10.06.):</a:t>
             </a:r>
           </a:p>
@@ -23036,7 +24451,7 @@
               <a:buSzPts val="1400"/>
             </a:pPr>
             <a:r>
-              <a:rPr lang="hu-HU" u="sng">
+              <a:rPr lang="hu-HU" u="sng" dirty="0">
                 <a:solidFill>
                   <a:schemeClr val="hlink"/>
                 </a:solidFill>
@@ -23051,7 +24466,7 @@
               <a:t>https://www.youtube.com/c/discord/videos</a:t>
             </a:r>
             <a:r>
-              <a:rPr lang="hu-HU">
+              <a:rPr lang="hu-HU" dirty="0">
                 <a:solidFill>
                   <a:schemeClr val="hlink"/>
                 </a:solidFill>
@@ -23059,7 +24474,7 @@
               <a:t> </a:t>
             </a:r>
             <a:r>
-              <a:rPr lang="hu-HU">
+              <a:rPr lang="hu-HU" dirty="0">
                 <a:solidFill>
                   <a:schemeClr val="bg1"/>
                 </a:solidFill>
@@ -23075,7 +24490,7 @@
               <a:buSzPts val="1400"/>
             </a:pPr>
             <a:r>
-              <a:rPr lang="hu-HU" u="sng">
+              <a:rPr lang="hu-HU" u="sng" dirty="0">
                 <a:solidFill>
                   <a:schemeClr val="hlink"/>
                 </a:solidFill>
@@ -23090,7 +24505,7 @@
               <a:t>https://twitter.com/operagxofficial/status/1773533033976524906</a:t>
             </a:r>
             <a:r>
-              <a:rPr lang="hu-HU">
+              <a:rPr lang="hu-HU" dirty="0">
                 <a:solidFill>
                   <a:schemeClr val="hlink"/>
                 </a:solidFill>
@@ -23098,14 +24513,14 @@
               <a:t> </a:t>
             </a:r>
             <a:r>
-              <a:rPr lang="hu-HU">
+              <a:rPr lang="hu-HU" dirty="0">
                 <a:solidFill>
                   <a:schemeClr val="bg1"/>
                 </a:solidFill>
               </a:rPr>
               <a:t>- 6. dia</a:t>
             </a:r>
-            <a:endParaRPr>
+            <a:endParaRPr dirty="0">
               <a:solidFill>
                 <a:schemeClr val="bg1"/>
               </a:solidFill>
@@ -23119,7 +24534,7 @@
               <a:buSzPts val="1400"/>
             </a:pPr>
             <a:r>
-              <a:rPr lang="hu-HU" u="sng">
+              <a:rPr lang="hu-HU" u="sng" dirty="0">
                 <a:solidFill>
                   <a:schemeClr val="hlink"/>
                 </a:solidFill>
@@ -23134,7 +24549,7 @@
               <a:t>https://www.oktatok.hu/index.php/excel-workshop</a:t>
             </a:r>
             <a:r>
-              <a:rPr lang="hu-HU">
+              <a:rPr lang="hu-HU" dirty="0">
                 <a:solidFill>
                   <a:schemeClr val="hlink"/>
                 </a:solidFill>
@@ -23142,7 +24557,7 @@
               <a:t> </a:t>
             </a:r>
             <a:r>
-              <a:rPr lang="hu-HU">
+              <a:rPr lang="hu-HU" dirty="0">
                 <a:solidFill>
                   <a:schemeClr val="bg1"/>
                 </a:solidFill>
@@ -23158,7 +24573,7 @@
               <a:buSzPts val="1400"/>
             </a:pPr>
             <a:r>
-              <a:rPr lang="hu-HU" u="sng">
+              <a:rPr lang="hu-HU" u="sng" dirty="0">
                 <a:solidFill>
                   <a:schemeClr val="hlink"/>
                 </a:solidFill>
@@ -23173,7 +24588,7 @@
               <a:t>https://kayaconnect.org/course/view.php?id=3051</a:t>
             </a:r>
             <a:r>
-              <a:rPr lang="hu-HU">
+              <a:rPr lang="hu-HU" dirty="0">
                 <a:solidFill>
                   <a:schemeClr val="hlink"/>
                 </a:solidFill>
@@ -23181,7 +24596,7 @@
               <a:t> </a:t>
             </a:r>
             <a:r>
-              <a:rPr lang="hu-HU">
+              <a:rPr lang="hu-HU" dirty="0">
                 <a:solidFill>
                   <a:schemeClr val="bg1"/>
                 </a:solidFill>
@@ -23197,41 +24612,22 @@
               <a:buSzPts val="1400"/>
             </a:pPr>
             <a:r>
-              <a:rPr lang="hu-HU" u="sng">
+              <a:rPr lang="hu-HU" dirty="0">
                 <a:solidFill>
-                  <a:schemeClr val="hlink"/>
+                  <a:schemeClr val="bg1"/>
                 </a:solidFill>
-                <a:hlinkClick r:id="rId7">
-                  <a:extLst>
-                    <a:ext uri="{A12FA001-AC4F-418D-AE19-62706E023703}">
-                      <ahyp:hlinkClr xmlns:ahyp="http://schemas.microsoft.com/office/drawing/2018/hyperlinkcolor" val="tx"/>
-                    </a:ext>
-                  </a:extLst>
-                </a:hlinkClick>
+                <a:hlinkClick r:id="rId7"/>
               </a:rPr>
-              <a:t>https://osztalykirandulas.hu/szallas/1477-es-panzio-davod/</a:t>
+              <a:t>https://git-scm.com/downloads/logos</a:t>
             </a:r>
             <a:r>
-              <a:rPr lang="hu-HU">
-                <a:solidFill>
-                  <a:schemeClr val="hlink"/>
-                </a:solidFill>
-              </a:rPr>
-              <a:t> </a:t>
-            </a:r>
-            <a:r>
-              <a:rPr lang="hu-HU">
+              <a:rPr lang="hu-HU" dirty="0">
                 <a:solidFill>
                   <a:schemeClr val="bg1"/>
                 </a:solidFill>
               </a:rPr>
-              <a:t>- 10. | 11. | 12. dia</a:t>
+              <a:t> -  9. dia</a:t>
             </a:r>
-            <a:endParaRPr lang="hu-HU" u="sng">
-              <a:solidFill>
-                <a:schemeClr val="bg1"/>
-              </a:solidFill>
-            </a:endParaRPr>
           </a:p>
           <a:p>
             <a:pPr marL="342900" indent="-305435">
@@ -23241,7 +24637,7 @@
               <a:buSzPts val="1400"/>
             </a:pPr>
             <a:r>
-              <a:rPr lang="hu-HU">
+              <a:rPr lang="hu-HU" u="sng" dirty="0">
                 <a:solidFill>
                   <a:schemeClr val="hlink"/>
                 </a:solidFill>
@@ -23253,10 +24649,10 @@
                   </a:extLst>
                 </a:hlinkClick>
               </a:rPr>
-              <a:t>https://piacesprofit.hu/cikkek/kkv_cegblog/a-markad-a-szemelyiseged.html</a:t>
+              <a:t>https://osztalykirandulas.hu/szallas/1477-es-panzio-davod/</a:t>
             </a:r>
             <a:r>
-              <a:rPr lang="hu-HU">
+              <a:rPr lang="hu-HU" dirty="0">
                 <a:solidFill>
                   <a:schemeClr val="hlink"/>
                 </a:solidFill>
@@ -23264,7 +24660,51 @@
               <a:t> </a:t>
             </a:r>
             <a:r>
-              <a:rPr lang="hu-HU">
+              <a:rPr lang="hu-HU" dirty="0">
+                <a:solidFill>
+                  <a:schemeClr val="bg1"/>
+                </a:solidFill>
+              </a:rPr>
+              <a:t>- 10. | 11. | 12. dia</a:t>
+            </a:r>
+            <a:endParaRPr lang="hu-HU" u="sng" dirty="0">
+              <a:solidFill>
+                <a:schemeClr val="bg1"/>
+              </a:solidFill>
+            </a:endParaRPr>
+          </a:p>
+          <a:p>
+            <a:pPr marL="342900" indent="-305435">
+              <a:spcBef>
+                <a:spcPts val="1000"/>
+              </a:spcBef>
+              <a:buSzPts val="1400"/>
+            </a:pPr>
+            <a:r>
+              <a:rPr lang="hu-HU" dirty="0">
+                <a:solidFill>
+                  <a:schemeClr val="hlink"/>
+                </a:solidFill>
+                <a:hlinkClick r:id="rId9">
+                  <a:extLst>
+                    <a:ext uri="{A12FA001-AC4F-418D-AE19-62706E023703}">
+                      <ahyp:hlinkClr xmlns:ahyp="http://schemas.microsoft.com/office/drawing/2018/hyperlinkcolor" val="tx"/>
+                    </a:ext>
+                  </a:extLst>
+                </a:hlinkClick>
+              </a:rPr>
+              <a:t>https://piacesprofit.hu/cikkek/kkv_cegblog/a-markad-a-szemelyiseged.html</a:t>
+            </a:r>
+            <a:r>
+              <a:rPr lang="hu-HU" dirty="0">
+                <a:solidFill>
+                  <a:schemeClr val="hlink"/>
+                </a:solidFill>
+              </a:rPr>
+              <a:t> </a:t>
+            </a:r>
+            <a:r>
+              <a:rPr lang="hu-HU" dirty="0">
                 <a:solidFill>
                   <a:schemeClr val="bg1"/>
                 </a:solidFill>
@@ -23409,18 +24849,14 @@
               <a:buNone/>
             </a:pPr>
             <a:r>
-              <a:rPr lang="hu-HU" sz="3200" u="sng" err="1"/>
-              <a:t>Faddi</a:t>
+              <a:rPr lang="hu-HU" sz="3200" u="sng" dirty="0"/>
+              <a:t>Faddi Ede</a:t>
             </a:r>
             <a:r>
-              <a:rPr lang="hu-HU" sz="3200" u="sng"/>
-              <a:t> Ede</a:t>
-            </a:r>
-            <a:r>
-              <a:rPr lang="hu-HU" sz="3200"/>
+              <a:rPr lang="hu-HU" sz="3200" dirty="0"/>
               <a:t>: Excel táblázat elkészítése a költségvetésről</a:t>
             </a:r>
-            <a:endParaRPr lang="hu-HU"/>
+            <a:endParaRPr lang="hu-HU" dirty="0"/>
           </a:p>
           <a:p>
             <a:pPr marL="37465" lvl="0" indent="0" algn="l" rtl="0">
@@ -23437,12 +24873,20 @@
               <a:buNone/>
             </a:pPr>
             <a:r>
-              <a:rPr lang="hu-HU" sz="3200" u="sng"/>
+              <a:rPr lang="hu-HU" sz="3200" u="sng" dirty="0"/>
               <a:t>Orbán Péter</a:t>
             </a:r>
             <a:r>
-              <a:rPr lang="hu-HU" sz="3200"/>
-              <a:t>: Csapatkapitány, a feladatok kiosztása, projektmenedzser</a:t>
+              <a:rPr lang="hu-HU" sz="3200" dirty="0"/>
+              <a:t>: Csapatkapitány, a feladatok kiosztása, projektmenedzser, </a:t>
+            </a:r>
+            <a:r>
+              <a:rPr lang="hu-HU" sz="3200" dirty="0" err="1"/>
+              <a:t>Git</a:t>
+            </a:r>
+            <a:r>
+              <a:rPr lang="hu-HU" sz="3200" dirty="0"/>
+              <a:t> könyvtár kezelője</a:t>
             </a:r>
           </a:p>
           <a:p>
@@ -23460,11 +24904,11 @@
               <a:buNone/>
             </a:pPr>
             <a:r>
-              <a:rPr lang="hu-HU" sz="3200" u="sng"/>
+              <a:rPr lang="hu-HU" sz="3200" u="sng" dirty="0"/>
               <a:t>Pálinkás Attila</a:t>
             </a:r>
             <a:r>
-              <a:rPr lang="hu-HU" sz="3200"/>
+              <a:rPr lang="hu-HU" sz="3200" dirty="0"/>
               <a:t>: Prezentáció létrehozása, szerkesztése, a projekt dokumentációja</a:t>
             </a:r>
           </a:p>
@@ -23483,11 +24927,11 @@
               <a:buNone/>
             </a:pPr>
             <a:r>
-              <a:rPr lang="hu-HU" sz="3200" u="sng"/>
+              <a:rPr lang="hu-HU" sz="3200" u="sng" dirty="0"/>
               <a:t>Simon Barnabás</a:t>
             </a:r>
             <a:r>
-              <a:rPr lang="hu-HU" sz="3200"/>
+              <a:rPr lang="hu-HU" sz="3200" dirty="0"/>
               <a:t>: Csapatkapitány helyettes, felügyelő, információs ügynök, dicsérő</a:t>
             </a:r>
           </a:p>
@@ -25048,15 +26492,15 @@
               <a:buChar char="◈"/>
             </a:pPr>
             <a:r>
-              <a:rPr lang="hu-HU" sz="3200"/>
+              <a:rPr lang="hu-HU" sz="3200" dirty="0"/>
               <a:t>A </a:t>
             </a:r>
             <a:r>
-              <a:rPr lang="hu-HU" sz="3200" err="1"/>
-              <a:t>discord</a:t>
+              <a:rPr lang="hu-HU" sz="3200" dirty="0" err="1"/>
+              <a:t>Discord</a:t>
             </a:r>
             <a:r>
-              <a:rPr lang="hu-HU" sz="3200"/>
+              <a:rPr lang="hu-HU" sz="3200" dirty="0"/>
               <a:t> programon keresztül kommunikáltunk egymással valós időben.</a:t>
             </a:r>
           </a:p>
@@ -25075,7 +26519,7 @@
               <a:buChar char="◈"/>
             </a:pPr>
             <a:r>
-              <a:rPr lang="hu-HU" sz="3200"/>
+              <a:rPr lang="hu-HU" sz="3200" dirty="0"/>
               <a:t>Nagy segítség volt a gyors együttműködésben.</a:t>
             </a:r>
           </a:p>
@@ -27411,7 +28855,7 @@
   <p:cSld>
     <p:spTree>
       <p:nvGrpSpPr>
-        <p:cNvPr id="1" name="Shape 192"/>
+        <p:cNvPr id="1" name=""/>
         <p:cNvGrpSpPr/>
         <p:nvPr/>
       </p:nvGrpSpPr>
@@ -27425,604 +28869,170 @@
       </p:grpSpPr>
       <p:sp>
         <p:nvSpPr>
-          <p:cNvPr id="193" name="Google Shape;193;p8"/>
-          <p:cNvSpPr txBox="1">
+          <p:cNvPr id="2" name="Cím 1">
+            <a:extLst>
+              <a:ext uri="{FF2B5EF4-FFF2-40B4-BE49-F238E27FC236}">
+                <a16:creationId xmlns:a16="http://schemas.microsoft.com/office/drawing/2014/main" id="{6E697FC0-9706-49D4-B84A-874BE433B6EB}"/>
+              </a:ext>
+            </a:extLst>
+          </p:cNvPr>
+          <p:cNvSpPr>
             <a:spLocks noGrp="1"/>
           </p:cNvSpPr>
           <p:nvPr>
             <p:ph type="title"/>
           </p:nvPr>
         </p:nvSpPr>
-        <p:spPr>
-          <a:xfrm>
-            <a:off x="186696" y="347006"/>
-            <a:ext cx="5724007" cy="1120844"/>
-          </a:xfrm>
-          <a:prstGeom prst="rect">
-            <a:avLst/>
-          </a:prstGeom>
-          <a:noFill/>
-          <a:ln>
-            <a:noFill/>
-          </a:ln>
-          <a:effectLst>
-            <a:outerShdw blurRad="25400">
-              <a:srgbClr val="000000">
-                <a:alpha val="45882"/>
-              </a:srgbClr>
-            </a:outerShdw>
-          </a:effectLst>
-        </p:spPr>
+        <p:spPr/>
         <p:txBody>
-          <a:bodyPr spcFirstLastPara="1" wrap="square" lIns="91425" tIns="45700" rIns="91425" bIns="45700" anchor="ctr" anchorCtr="0">
-            <a:noAutofit/>
-          </a:bodyPr>
+          <a:bodyPr/>
           <a:lstStyle/>
           <a:p>
-            <a:pPr marL="0" lvl="0" indent="0" algn="ctr" rtl="0">
-              <a:spcBef>
-                <a:spcPts val="0"/>
-              </a:spcBef>
-              <a:spcAft>
-                <a:spcPts val="0"/>
-              </a:spcAft>
-              <a:buClr>
-                <a:schemeClr val="lt2"/>
-              </a:buClr>
-              <a:buSzPts val="2800"/>
-              <a:buFont typeface="Lustria"/>
-              <a:buNone/>
-            </a:pPr>
             <a:r>
-              <a:rPr lang="hu-HU" sz="3600" b="1" u="sng"/>
-              <a:t>A kirándulásra szükséges dolgok</a:t>
+              <a:rPr lang="hu-HU" dirty="0"/>
+              <a:t>Használt szoftverek: </a:t>
             </a:r>
+            <a:r>
+              <a:rPr lang="hu-HU" dirty="0" err="1"/>
+              <a:t>Git</a:t>
+            </a:r>
+            <a:endParaRPr lang="hu-HU" dirty="0"/>
           </a:p>
         </p:txBody>
       </p:sp>
       <p:sp>
         <p:nvSpPr>
-          <p:cNvPr id="194" name="Google Shape;194;p8"/>
-          <p:cNvSpPr txBox="1">
+          <p:cNvPr id="3" name="Szöveg helye 2">
+            <a:extLst>
+              <a:ext uri="{FF2B5EF4-FFF2-40B4-BE49-F238E27FC236}">
+                <a16:creationId xmlns:a16="http://schemas.microsoft.com/office/drawing/2014/main" id="{44FD61A8-2F57-4BB4-84B2-081C44A7E686}"/>
+              </a:ext>
+            </a:extLst>
+          </p:cNvPr>
+          <p:cNvSpPr>
             <a:spLocks noGrp="1"/>
           </p:cNvSpPr>
           <p:nvPr>
             <p:ph type="body" idx="1"/>
           </p:nvPr>
         </p:nvSpPr>
-        <p:spPr>
-          <a:xfrm>
-            <a:off x="627138" y="1732449"/>
-            <a:ext cx="4839305" cy="4058751"/>
-          </a:xfrm>
-          <a:prstGeom prst="rect">
-            <a:avLst/>
-          </a:prstGeom>
-          <a:noFill/>
-          <a:ln>
-            <a:noFill/>
-          </a:ln>
-          <a:effectLst>
-            <a:outerShdw blurRad="25400">
-              <a:srgbClr val="000000">
-                <a:alpha val="45882"/>
-              </a:srgbClr>
-            </a:outerShdw>
-          </a:effectLst>
-        </p:spPr>
+        <p:spPr/>
         <p:txBody>
-          <a:bodyPr spcFirstLastPara="1" wrap="square" lIns="91425" tIns="45700" rIns="91425" bIns="45700" anchor="t" anchorCtr="0">
-            <a:normAutofit/>
-          </a:bodyPr>
+          <a:bodyPr/>
           <a:lstStyle/>
           <a:p>
-            <a:pPr marL="342900" lvl="0" indent="-305435" algn="l" rtl="0">
-              <a:spcBef>
-                <a:spcPts val="0"/>
-              </a:spcBef>
-              <a:spcAft>
-                <a:spcPts val="0"/>
-              </a:spcAft>
-              <a:buSzPts val="1400"/>
-              <a:buChar char="◈"/>
-            </a:pPr>
+            <a:pPr fontAlgn="base"/>
             <a:r>
-              <a:rPr lang="hu-HU" sz="3200"/>
-              <a:t>Váltóruha</a:t>
+              <a:rPr lang="hu-HU" sz="3200" dirty="0"/>
+              <a:t>A </a:t>
+            </a:r>
+            <a:r>
+              <a:rPr lang="hu-HU" sz="3200" dirty="0" err="1"/>
+              <a:t>Git</a:t>
+            </a:r>
+            <a:r>
+              <a:rPr lang="hu-HU" sz="3200" dirty="0"/>
+              <a:t> egy nyitott forrású és ingyenes verziókezelő szoftver</a:t>
+            </a:r>
+            <a:r>
+              <a:rPr lang="en-US" sz="3200" dirty="0"/>
+              <a:t>​</a:t>
             </a:r>
           </a:p>
           <a:p>
-            <a:pPr marL="342900" lvl="0" indent="-305435" algn="l" rtl="0">
-              <a:spcBef>
-                <a:spcPts val="1000"/>
-              </a:spcBef>
-              <a:spcAft>
-                <a:spcPts val="0"/>
-              </a:spcAft>
-              <a:buSzPts val="1400"/>
-              <a:buChar char="◈"/>
-            </a:pPr>
+            <a:pPr fontAlgn="base"/>
             <a:r>
-              <a:rPr lang="hu-HU" sz="3200"/>
-              <a:t>Higiéniai eszközök</a:t>
+              <a:rPr lang="hu-HU" sz="3200" dirty="0"/>
+              <a:t>Lehetővé teszi fájlok megosztását más felhasználókkal</a:t>
+            </a:r>
+            <a:r>
+              <a:rPr lang="en-US" sz="3200" dirty="0"/>
+              <a:t>​</a:t>
             </a:r>
           </a:p>
           <a:p>
-            <a:pPr marL="342900" lvl="0" indent="-305435" algn="l" rtl="0">
-              <a:spcBef>
-                <a:spcPts val="1000"/>
-              </a:spcBef>
-              <a:spcAft>
-                <a:spcPts val="0"/>
-              </a:spcAft>
-              <a:buSzPts val="1400"/>
-              <a:buChar char="◈"/>
-            </a:pPr>
+            <a:pPr fontAlgn="base"/>
             <a:r>
-              <a:rPr lang="hu-HU" sz="3200"/>
-              <a:t>Első napra reggeli (Ha otthon nem ettél)</a:t>
+              <a:rPr lang="hu-HU" sz="3200" dirty="0"/>
+              <a:t>Grafikus felület és </a:t>
             </a:r>
-          </a:p>
-          <a:p>
-            <a:pPr marL="342900" lvl="0" indent="-305435" algn="l" rtl="0">
-              <a:spcBef>
-                <a:spcPts val="1000"/>
-              </a:spcBef>
-              <a:spcAft>
-                <a:spcPts val="0"/>
-              </a:spcAft>
-              <a:buSzPts val="1400"/>
-              <a:buChar char="◈"/>
-            </a:pPr>
             <a:r>
-              <a:rPr lang="hu-HU" sz="3200"/>
-              <a:t>Zsebpénz</a:t>
+              <a:rPr lang="en-US" sz="3200" dirty="0"/>
+              <a:t>​</a:t>
             </a:r>
-          </a:p>
-          <a:p>
-            <a:pPr marL="342900" lvl="0" indent="-305435" algn="l" rtl="0">
-              <a:spcBef>
-                <a:spcPts val="1000"/>
-              </a:spcBef>
-              <a:spcAft>
-                <a:spcPts val="0"/>
-              </a:spcAft>
-              <a:buSzPts val="1400"/>
-              <a:buChar char="◈"/>
-            </a:pPr>
             <a:r>
-              <a:rPr lang="hu-HU" sz="3200"/>
-              <a:t>Ivóvíz</a:t>
+              <a:rPr lang="hu-HU" sz="3200" dirty="0"/>
+              <a:t>parancssor használata</a:t>
             </a:r>
           </a:p>
         </p:txBody>
       </p:sp>
-      <p:sp>
-        <p:nvSpPr>
-          <p:cNvPr id="195" name="Google Shape;195;p8"/>
-          <p:cNvSpPr txBox="1"/>
+      <p:pic>
+        <p:nvPicPr>
+          <p:cNvPr id="7" name="Kép 6">
+            <a:extLst>
+              <a:ext uri="{FF2B5EF4-FFF2-40B4-BE49-F238E27FC236}">
+                <a16:creationId xmlns:a16="http://schemas.microsoft.com/office/drawing/2014/main" id="{E0753486-4CFD-4500-BFED-A373D64DA08F}"/>
+              </a:ext>
+            </a:extLst>
+          </p:cNvPr>
+          <p:cNvPicPr>
+            <a:picLocks noChangeAspect="1"/>
+          </p:cNvPicPr>
           <p:nvPr/>
-        </p:nvSpPr>
+        </p:nvPicPr>
+        <p:blipFill>
+          <a:blip r:embed="rId2"/>
+          <a:stretch>
+            <a:fillRect/>
+          </a:stretch>
+        </p:blipFill>
         <p:spPr>
           <a:xfrm>
-            <a:off x="6494471" y="302747"/>
-            <a:ext cx="5442269" cy="1211081"/>
+            <a:off x="10032000" y="4698000"/>
+            <a:ext cx="2160000" cy="2160000"/>
           </a:xfrm>
-          <a:prstGeom prst="rect">
+          <a:prstGeom prst="snip2DiagRect">
             <a:avLst/>
           </a:prstGeom>
-          <a:noFill/>
-          <a:ln>
-            <a:noFill/>
+          <a:solidFill>
+            <a:srgbClr val="FFFFFF">
+              <a:shade val="85000"/>
+            </a:srgbClr>
+          </a:solidFill>
+          <a:ln w="88900" cap="sq">
+            <a:solidFill>
+              <a:srgbClr val="FFFFFF"/>
+            </a:solidFill>
+            <a:miter lim="800000"/>
           </a:ln>
           <a:effectLst>
-            <a:outerShdw blurRad="25400">
+            <a:outerShdw blurRad="88900" algn="tl" rotWithShape="0">
               <a:srgbClr val="000000">
-                <a:alpha val="45882"/>
+                <a:alpha val="45000"/>
               </a:srgbClr>
             </a:outerShdw>
           </a:effectLst>
+          <a:scene3d>
+            <a:camera prst="orthographicFront"/>
+            <a:lightRig rig="twoPt" dir="t">
+              <a:rot lat="0" lon="0" rev="7200000"/>
+            </a:lightRig>
+          </a:scene3d>
+          <a:sp3d>
+            <a:bevelT w="25400" h="19050"/>
+            <a:contourClr>
+              <a:srgbClr val="FFFFFF"/>
+            </a:contourClr>
+          </a:sp3d>
         </p:spPr>
-        <p:txBody>
-          <a:bodyPr spcFirstLastPara="1" wrap="square" lIns="91425" tIns="45700" rIns="91425" bIns="45700" anchor="ctr" anchorCtr="0">
-            <a:normAutofit/>
-          </a:bodyPr>
-          <a:lstStyle/>
-          <a:p>
-            <a:pPr marL="0" marR="0" lvl="0" indent="0" algn="ctr" rtl="0">
-              <a:spcBef>
-                <a:spcPts val="0"/>
-              </a:spcBef>
-              <a:spcAft>
-                <a:spcPts val="0"/>
-              </a:spcAft>
-              <a:buClr>
-                <a:schemeClr val="lt2"/>
-              </a:buClr>
-              <a:buSzPts val="2800"/>
-              <a:buFont typeface="Lustria"/>
-              <a:buNone/>
-            </a:pPr>
-            <a:r>
-              <a:rPr lang="hu-HU" sz="3600" b="1" i="0" u="sng" strike="noStrike" cap="none">
-                <a:solidFill>
-                  <a:schemeClr val="lt2"/>
-                </a:solidFill>
-                <a:latin typeface="Lustria"/>
-                <a:ea typeface="Lustria"/>
-                <a:cs typeface="Lustria"/>
-                <a:sym typeface="Lustria"/>
-              </a:rPr>
-              <a:t>A kiránduláshoz ajánlott dolgok</a:t>
-            </a:r>
-            <a:endParaRPr lang="hu-HU" sz="3600" b="1" u="sng">
-              <a:solidFill>
-                <a:schemeClr val="lt2"/>
-              </a:solidFill>
-            </a:endParaRPr>
-          </a:p>
-        </p:txBody>
-      </p:sp>
-      <p:sp>
-        <p:nvSpPr>
-          <p:cNvPr id="196" name="Google Shape;196;p8"/>
-          <p:cNvSpPr txBox="1"/>
-          <p:nvPr/>
-        </p:nvSpPr>
-        <p:spPr>
-          <a:xfrm>
-            <a:off x="6497074" y="1586399"/>
-            <a:ext cx="4839305" cy="4058751"/>
-          </a:xfrm>
-          <a:prstGeom prst="rect">
-            <a:avLst/>
-          </a:prstGeom>
-          <a:noFill/>
-          <a:ln>
-            <a:noFill/>
-          </a:ln>
-          <a:effectLst>
-            <a:outerShdw blurRad="25400">
-              <a:srgbClr val="000000">
-                <a:alpha val="45882"/>
-              </a:srgbClr>
-            </a:outerShdw>
-          </a:effectLst>
-        </p:spPr>
-        <p:txBody>
-          <a:bodyPr spcFirstLastPara="1" wrap="square" lIns="91425" tIns="45700" rIns="91425" bIns="45700" anchor="t" anchorCtr="0">
-            <a:normAutofit/>
-          </a:bodyPr>
-          <a:lstStyle/>
-          <a:p>
-            <a:pPr marL="36900" marR="0" lvl="0" indent="0" algn="l" rtl="0">
-              <a:spcBef>
-                <a:spcPts val="0"/>
-              </a:spcBef>
-              <a:spcAft>
-                <a:spcPts val="0"/>
-              </a:spcAft>
-              <a:buClr>
-                <a:schemeClr val="lt2"/>
-              </a:buClr>
-              <a:buSzPts val="1400"/>
-              <a:buFont typeface="Noto Sans Symbols"/>
-              <a:buNone/>
-            </a:pPr>
-            <a:endParaRPr sz="2000" b="0" i="0" u="none" strike="noStrike" cap="none">
-              <a:solidFill>
-                <a:schemeClr val="lt2"/>
-              </a:solidFill>
-              <a:latin typeface="Lustria"/>
-              <a:ea typeface="Lustria"/>
-              <a:cs typeface="Lustria"/>
-              <a:sym typeface="Lustria"/>
-            </a:endParaRPr>
-          </a:p>
-        </p:txBody>
-      </p:sp>
-      <p:sp>
-        <p:nvSpPr>
-          <p:cNvPr id="197" name="Google Shape;197;p8"/>
-          <p:cNvSpPr txBox="1"/>
-          <p:nvPr/>
-        </p:nvSpPr>
-        <p:spPr>
-          <a:xfrm>
-            <a:off x="6796430" y="1732449"/>
-            <a:ext cx="4839305" cy="4058751"/>
-          </a:xfrm>
-          <a:prstGeom prst="rect">
-            <a:avLst/>
-          </a:prstGeom>
-          <a:noFill/>
-          <a:ln>
-            <a:noFill/>
-          </a:ln>
-          <a:effectLst>
-            <a:outerShdw blurRad="25400">
-              <a:srgbClr val="000000">
-                <a:alpha val="45882"/>
-              </a:srgbClr>
-            </a:outerShdw>
-          </a:effectLst>
-        </p:spPr>
-        <p:txBody>
-          <a:bodyPr spcFirstLastPara="1" wrap="square" lIns="91425" tIns="45700" rIns="91425" bIns="45700" anchor="t" anchorCtr="0">
-            <a:normAutofit/>
-          </a:bodyPr>
-          <a:lstStyle/>
-          <a:p>
-            <a:pPr marL="342900" marR="0" lvl="0" indent="-305435" algn="l" rtl="0">
-              <a:spcBef>
-                <a:spcPts val="0"/>
-              </a:spcBef>
-              <a:spcAft>
-                <a:spcPts val="0"/>
-              </a:spcAft>
-              <a:buClr>
-                <a:schemeClr val="lt2"/>
-              </a:buClr>
-              <a:buSzPts val="1400"/>
-              <a:buFont typeface="Noto Sans Symbols"/>
-              <a:buChar char="◈"/>
-            </a:pPr>
-            <a:r>
-              <a:rPr lang="hu-HU" sz="3200">
-                <a:solidFill>
-                  <a:schemeClr val="lt2"/>
-                </a:solidFill>
-                <a:latin typeface="Lustria"/>
-                <a:ea typeface="Lustria"/>
-                <a:cs typeface="Lustria"/>
-                <a:sym typeface="Lustria"/>
-              </a:rPr>
-              <a:t>Fürdőruha</a:t>
-            </a:r>
-            <a:endParaRPr lang="hu-HU" sz="3200">
-              <a:solidFill>
-                <a:schemeClr val="lt2"/>
-              </a:solidFill>
-            </a:endParaRPr>
-          </a:p>
-          <a:p>
-            <a:pPr marL="342900" marR="0" lvl="0" indent="-305435" algn="l" rtl="0">
-              <a:spcBef>
-                <a:spcPts val="1000"/>
-              </a:spcBef>
-              <a:spcAft>
-                <a:spcPts val="0"/>
-              </a:spcAft>
-              <a:buClr>
-                <a:schemeClr val="lt2"/>
-              </a:buClr>
-              <a:buSzPts val="1400"/>
-              <a:buFont typeface="Noto Sans Symbols"/>
-              <a:buChar char="◈"/>
-            </a:pPr>
-            <a:r>
-              <a:rPr lang="hu-HU" sz="3200" b="0" i="0" u="none" strike="noStrike" cap="none">
-                <a:solidFill>
-                  <a:schemeClr val="lt2"/>
-                </a:solidFill>
-                <a:latin typeface="Lustria"/>
-                <a:ea typeface="Lustria"/>
-                <a:cs typeface="Lustria"/>
-                <a:sym typeface="Lustria"/>
-              </a:rPr>
-              <a:t>Esőkabát, Esernyő</a:t>
-            </a:r>
-            <a:endParaRPr sz="3200">
-              <a:solidFill>
-                <a:schemeClr val="lt2"/>
-              </a:solidFill>
-            </a:endParaRPr>
-          </a:p>
-          <a:p>
-            <a:pPr marL="342900" marR="0" lvl="0" indent="-305435" algn="l" rtl="0">
-              <a:spcBef>
-                <a:spcPts val="1000"/>
-              </a:spcBef>
-              <a:spcAft>
-                <a:spcPts val="0"/>
-              </a:spcAft>
-              <a:buClr>
-                <a:schemeClr val="lt2"/>
-              </a:buClr>
-              <a:buSzPts val="1400"/>
-              <a:buFont typeface="Noto Sans Symbols"/>
-              <a:buChar char="◈"/>
-            </a:pPr>
-            <a:r>
-              <a:rPr lang="hu-HU" sz="3200" b="0" i="0" u="none" strike="noStrike" cap="none">
-                <a:solidFill>
-                  <a:schemeClr val="lt2"/>
-                </a:solidFill>
-                <a:latin typeface="Lustria"/>
-                <a:ea typeface="Lustria"/>
-                <a:cs typeface="Lustria"/>
-                <a:sym typeface="Lustria"/>
-              </a:rPr>
-              <a:t>Telefontöltő, </a:t>
-            </a:r>
-            <a:r>
-              <a:rPr lang="hu-HU" sz="3200" b="0" i="0" u="none" strike="noStrike" cap="none" err="1">
-                <a:solidFill>
-                  <a:schemeClr val="lt2"/>
-                </a:solidFill>
-                <a:latin typeface="Lustria"/>
-                <a:ea typeface="Lustria"/>
-                <a:cs typeface="Lustria"/>
-                <a:sym typeface="Lustria"/>
-              </a:rPr>
-              <a:t>Powerbank</a:t>
-            </a:r>
-            <a:endParaRPr sz="3200" err="1">
-              <a:solidFill>
-                <a:schemeClr val="lt2"/>
-              </a:solidFill>
-            </a:endParaRPr>
-          </a:p>
-          <a:p>
-            <a:pPr marL="342900" marR="0" lvl="0" indent="-305435" algn="l" rtl="0">
-              <a:spcBef>
-                <a:spcPts val="1000"/>
-              </a:spcBef>
-              <a:spcAft>
-                <a:spcPts val="0"/>
-              </a:spcAft>
-              <a:buClr>
-                <a:schemeClr val="lt2"/>
-              </a:buClr>
-              <a:buSzPts val="1400"/>
-              <a:buFont typeface="Noto Sans Symbols"/>
-              <a:buChar char="◈"/>
-            </a:pPr>
-            <a:r>
-              <a:rPr lang="hu-HU" sz="3200" b="0" i="0" u="none" strike="noStrike" cap="none">
-                <a:solidFill>
-                  <a:schemeClr val="lt2"/>
-                </a:solidFill>
-                <a:latin typeface="Lustria"/>
-                <a:ea typeface="Lustria"/>
-                <a:cs typeface="Lustria"/>
-                <a:sym typeface="Lustria"/>
-              </a:rPr>
-              <a:t>Naptej, Napszemüveg</a:t>
-            </a:r>
-            <a:endParaRPr sz="3200">
-              <a:solidFill>
-                <a:schemeClr val="lt2"/>
-              </a:solidFill>
-            </a:endParaRPr>
-          </a:p>
-          <a:p>
-            <a:pPr marL="342900" marR="0" lvl="0" indent="-305435" algn="l" rtl="0">
-              <a:spcBef>
-                <a:spcPts val="1000"/>
-              </a:spcBef>
-              <a:spcAft>
-                <a:spcPts val="0"/>
-              </a:spcAft>
-              <a:buClr>
-                <a:schemeClr val="lt2"/>
-              </a:buClr>
-              <a:buSzPts val="1400"/>
-              <a:buFont typeface="Noto Sans Symbols"/>
-              <a:buChar char="◈"/>
-            </a:pPr>
-            <a:r>
-              <a:rPr lang="hu-HU" sz="3200" b="0" i="0" u="none" strike="noStrike" cap="none">
-                <a:solidFill>
-                  <a:schemeClr val="lt2"/>
-                </a:solidFill>
-                <a:latin typeface="Lustria"/>
-                <a:ea typeface="Lustria"/>
-                <a:cs typeface="Lustria"/>
-                <a:sym typeface="Lustria"/>
-              </a:rPr>
-              <a:t>Harapnivalók</a:t>
-            </a:r>
-            <a:endParaRPr sz="3200">
-              <a:solidFill>
-                <a:schemeClr val="lt2"/>
-              </a:solidFill>
-            </a:endParaRPr>
-          </a:p>
-          <a:p>
-            <a:pPr marL="342900" marR="0" lvl="0" indent="-216535" algn="l" rtl="0">
-              <a:spcBef>
-                <a:spcPts val="1000"/>
-              </a:spcBef>
-              <a:spcAft>
-                <a:spcPts val="0"/>
-              </a:spcAft>
-              <a:buClr>
-                <a:schemeClr val="lt2"/>
-              </a:buClr>
-              <a:buSzPts val="1400"/>
-              <a:buFont typeface="Noto Sans Symbols"/>
-              <a:buNone/>
-            </a:pPr>
-            <a:endParaRPr sz="2000" b="0" i="0" u="none" strike="noStrike" cap="none">
-              <a:solidFill>
-                <a:schemeClr val="lt2"/>
-              </a:solidFill>
-              <a:latin typeface="Lustria"/>
-              <a:ea typeface="Lustria"/>
-              <a:cs typeface="Lustria"/>
-            </a:endParaRPr>
-          </a:p>
-          <a:p>
-            <a:pPr marL="342900" marR="0" lvl="0" indent="-216535" algn="l" rtl="0">
-              <a:spcBef>
-                <a:spcPts val="1000"/>
-              </a:spcBef>
-              <a:spcAft>
-                <a:spcPts val="0"/>
-              </a:spcAft>
-              <a:buClr>
-                <a:schemeClr val="lt2"/>
-              </a:buClr>
-              <a:buSzPts val="1400"/>
-              <a:buFont typeface="Noto Sans Symbols"/>
-              <a:buNone/>
-            </a:pPr>
-            <a:endParaRPr sz="2000" b="0" i="0" u="none" strike="noStrike" cap="none">
-              <a:solidFill>
-                <a:schemeClr val="lt2"/>
-              </a:solidFill>
-              <a:latin typeface="Lustria"/>
-              <a:ea typeface="Lustria"/>
-              <a:cs typeface="Lustria"/>
-            </a:endParaRPr>
-          </a:p>
-        </p:txBody>
-      </p:sp>
-      <p:cxnSp>
-        <p:nvCxnSpPr>
-          <p:cNvPr id="2" name="Egyenes összekötő nyíllal 1">
-            <a:extLst>
-              <a:ext uri="{FF2B5EF4-FFF2-40B4-BE49-F238E27FC236}">
-                <a16:creationId xmlns:a16="http://schemas.microsoft.com/office/drawing/2014/main" id="{41B380DE-3CE6-5809-3EAA-232111D78F24}"/>
-              </a:ext>
-            </a:extLst>
-          </p:cNvPr>
-          <p:cNvCxnSpPr/>
-          <p:nvPr/>
-        </p:nvCxnSpPr>
-        <p:spPr>
-          <a:xfrm flipH="1">
-            <a:off x="6082393" y="281214"/>
-            <a:ext cx="19956" cy="6302826"/>
-          </a:xfrm>
-          <a:prstGeom prst="straightConnector1">
-            <a:avLst/>
-          </a:prstGeom>
-          <a:ln>
-            <a:solidFill>
-              <a:schemeClr val="bg1">
-                <a:lumMod val="75000"/>
-              </a:schemeClr>
-            </a:solidFill>
-          </a:ln>
-        </p:spPr>
-        <p:style>
-          <a:lnRef idx="3">
-            <a:schemeClr val="dk1"/>
-          </a:lnRef>
-          <a:fillRef idx="0">
-            <a:schemeClr val="dk1"/>
-          </a:fillRef>
-          <a:effectRef idx="2">
-            <a:schemeClr val="dk1"/>
-          </a:effectRef>
-          <a:fontRef idx="minor">
-            <a:schemeClr val="tx1"/>
-          </a:fontRef>
-        </p:style>
-      </p:cxnSp>
+      </p:pic>
     </p:spTree>
+    <p:extLst>
+      <p:ext uri="{BB962C8B-B14F-4D97-AF65-F5344CB8AC3E}">
+        <p14:creationId xmlns:p14="http://schemas.microsoft.com/office/powerpoint/2010/main" val="1947485055"/>
+      </p:ext>
+    </p:extLst>
   </p:cSld>
   <p:clrMapOvr>
     <a:masterClrMapping/>
@@ -28030,793 +29040,6 @@
   <p:transition spd="slow">
     <p:push/>
   </p:transition>
-  <p:timing>
-    <p:tnLst>
-      <p:par>
-        <p:cTn id="1" dur="indefinite" restart="never" nodeType="tmRoot">
-          <p:childTnLst>
-            <p:seq concurrent="1" nextAc="seek">
-              <p:cTn id="2" dur="indefinite" nodeType="mainSeq">
-                <p:childTnLst>
-                  <p:par>
-                    <p:cTn id="3" fill="hold">
-                      <p:stCondLst>
-                        <p:cond delay="indefinite"/>
-                      </p:stCondLst>
-                      <p:childTnLst>
-                        <p:par>
-                          <p:cTn id="4" fill="hold">
-                            <p:stCondLst>
-                              <p:cond delay="0"/>
-                            </p:stCondLst>
-                            <p:childTnLst>
-                              <p:par>
-                                <p:cTn id="5" presetID="2" presetClass="entr" presetSubtype="1" fill="hold" nodeType="clickEffect">
-                                  <p:stCondLst>
-                                    <p:cond delay="0"/>
-                                  </p:stCondLst>
-                                  <p:childTnLst>
-                                    <p:set>
-                                      <p:cBhvr>
-                                        <p:cTn id="6" dur="1" fill="hold">
-                                          <p:stCondLst>
-                                            <p:cond delay="0"/>
-                                          </p:stCondLst>
-                                        </p:cTn>
-                                        <p:tgtEl>
-                                          <p:spTgt spid="2"/>
-                                        </p:tgtEl>
-                                        <p:attrNameLst>
-                                          <p:attrName>style.visibility</p:attrName>
-                                        </p:attrNameLst>
-                                      </p:cBhvr>
-                                      <p:to>
-                                        <p:strVal val="visible"/>
-                                      </p:to>
-                                    </p:set>
-                                    <p:anim calcmode="lin" valueType="num">
-                                      <p:cBhvr additive="base">
-                                        <p:cTn id="7" dur="1000" fill="hold"/>
-                                        <p:tgtEl>
-                                          <p:spTgt spid="2"/>
-                                        </p:tgtEl>
-                                        <p:attrNameLst>
-                                          <p:attrName>ppt_x</p:attrName>
-                                        </p:attrNameLst>
-                                      </p:cBhvr>
-                                      <p:tavLst>
-                                        <p:tav tm="0">
-                                          <p:val>
-                                            <p:strVal val="#ppt_x"/>
-                                          </p:val>
-                                        </p:tav>
-                                        <p:tav tm="100000">
-                                          <p:val>
-                                            <p:strVal val="#ppt_x"/>
-                                          </p:val>
-                                        </p:tav>
-                                      </p:tavLst>
-                                    </p:anim>
-                                    <p:anim calcmode="lin" valueType="num">
-                                      <p:cBhvr additive="base">
-                                        <p:cTn id="8" dur="1000" fill="hold"/>
-                                        <p:tgtEl>
-                                          <p:spTgt spid="2"/>
-                                        </p:tgtEl>
-                                        <p:attrNameLst>
-                                          <p:attrName>ppt_y</p:attrName>
-                                        </p:attrNameLst>
-                                      </p:cBhvr>
-                                      <p:tavLst>
-                                        <p:tav tm="0">
-                                          <p:val>
-                                            <p:strVal val="0-#ppt_h/2"/>
-                                          </p:val>
-                                        </p:tav>
-                                        <p:tav tm="100000">
-                                          <p:val>
-                                            <p:strVal val="#ppt_y"/>
-                                          </p:val>
-                                        </p:tav>
-                                      </p:tavLst>
-                                    </p:anim>
-                                  </p:childTnLst>
-                                </p:cTn>
-                              </p:par>
-                              <p:par>
-                                <p:cTn id="9" presetID="2" presetClass="entr" presetSubtype="2" fill="hold" grpId="0" nodeType="withEffect">
-                                  <p:stCondLst>
-                                    <p:cond delay="0"/>
-                                  </p:stCondLst>
-                                  <p:childTnLst>
-                                    <p:set>
-                                      <p:cBhvr>
-                                        <p:cTn id="10" dur="1" fill="hold">
-                                          <p:stCondLst>
-                                            <p:cond delay="0"/>
-                                          </p:stCondLst>
-                                        </p:cTn>
-                                        <p:tgtEl>
-                                          <p:spTgt spid="195"/>
-                                        </p:tgtEl>
-                                        <p:attrNameLst>
-                                          <p:attrName>style.visibility</p:attrName>
-                                        </p:attrNameLst>
-                                      </p:cBhvr>
-                                      <p:to>
-                                        <p:strVal val="visible"/>
-                                      </p:to>
-                                    </p:set>
-                                    <p:anim calcmode="lin" valueType="num">
-                                      <p:cBhvr additive="base">
-                                        <p:cTn id="11" dur="1000" fill="hold"/>
-                                        <p:tgtEl>
-                                          <p:spTgt spid="195"/>
-                                        </p:tgtEl>
-                                        <p:attrNameLst>
-                                          <p:attrName>ppt_x</p:attrName>
-                                        </p:attrNameLst>
-                                      </p:cBhvr>
-                                      <p:tavLst>
-                                        <p:tav tm="0">
-                                          <p:val>
-                                            <p:strVal val="1+#ppt_w/2"/>
-                                          </p:val>
-                                        </p:tav>
-                                        <p:tav tm="100000">
-                                          <p:val>
-                                            <p:strVal val="#ppt_x"/>
-                                          </p:val>
-                                        </p:tav>
-                                      </p:tavLst>
-                                    </p:anim>
-                                    <p:anim calcmode="lin" valueType="num">
-                                      <p:cBhvr additive="base">
-                                        <p:cTn id="12" dur="1000" fill="hold"/>
-                                        <p:tgtEl>
-                                          <p:spTgt spid="195"/>
-                                        </p:tgtEl>
-                                        <p:attrNameLst>
-                                          <p:attrName>ppt_y</p:attrName>
-                                        </p:attrNameLst>
-                                      </p:cBhvr>
-                                      <p:tavLst>
-                                        <p:tav tm="0">
-                                          <p:val>
-                                            <p:strVal val="#ppt_y"/>
-                                          </p:val>
-                                        </p:tav>
-                                        <p:tav tm="100000">
-                                          <p:val>
-                                            <p:strVal val="#ppt_y"/>
-                                          </p:val>
-                                        </p:tav>
-                                      </p:tavLst>
-                                    </p:anim>
-                                  </p:childTnLst>
-                                </p:cTn>
-                              </p:par>
-                              <p:par>
-                                <p:cTn id="13" presetID="2" presetClass="entr" presetSubtype="8" fill="hold" grpId="0" nodeType="withEffect">
-                                  <p:stCondLst>
-                                    <p:cond delay="0"/>
-                                  </p:stCondLst>
-                                  <p:childTnLst>
-                                    <p:set>
-                                      <p:cBhvr>
-                                        <p:cTn id="14" dur="1" fill="hold">
-                                          <p:stCondLst>
-                                            <p:cond delay="0"/>
-                                          </p:stCondLst>
-                                        </p:cTn>
-                                        <p:tgtEl>
-                                          <p:spTgt spid="193"/>
-                                        </p:tgtEl>
-                                        <p:attrNameLst>
-                                          <p:attrName>style.visibility</p:attrName>
-                                        </p:attrNameLst>
-                                      </p:cBhvr>
-                                      <p:to>
-                                        <p:strVal val="visible"/>
-                                      </p:to>
-                                    </p:set>
-                                    <p:anim calcmode="lin" valueType="num">
-                                      <p:cBhvr additive="base">
-                                        <p:cTn id="15" dur="1000" fill="hold"/>
-                                        <p:tgtEl>
-                                          <p:spTgt spid="193"/>
-                                        </p:tgtEl>
-                                        <p:attrNameLst>
-                                          <p:attrName>ppt_x</p:attrName>
-                                        </p:attrNameLst>
-                                      </p:cBhvr>
-                                      <p:tavLst>
-                                        <p:tav tm="0">
-                                          <p:val>
-                                            <p:strVal val="0-#ppt_w/2"/>
-                                          </p:val>
-                                        </p:tav>
-                                        <p:tav tm="100000">
-                                          <p:val>
-                                            <p:strVal val="#ppt_x"/>
-                                          </p:val>
-                                        </p:tav>
-                                      </p:tavLst>
-                                    </p:anim>
-                                    <p:anim calcmode="lin" valueType="num">
-                                      <p:cBhvr additive="base">
-                                        <p:cTn id="16" dur="1000" fill="hold"/>
-                                        <p:tgtEl>
-                                          <p:spTgt spid="193"/>
-                                        </p:tgtEl>
-                                        <p:attrNameLst>
-                                          <p:attrName>ppt_y</p:attrName>
-                                        </p:attrNameLst>
-                                      </p:cBhvr>
-                                      <p:tavLst>
-                                        <p:tav tm="0">
-                                          <p:val>
-                                            <p:strVal val="#ppt_y"/>
-                                          </p:val>
-                                        </p:tav>
-                                        <p:tav tm="100000">
-                                          <p:val>
-                                            <p:strVal val="#ppt_y"/>
-                                          </p:val>
-                                        </p:tav>
-                                      </p:tavLst>
-                                    </p:anim>
-                                  </p:childTnLst>
-                                </p:cTn>
-                              </p:par>
-                            </p:childTnLst>
-                          </p:cTn>
-                        </p:par>
-                      </p:childTnLst>
-                    </p:cTn>
-                  </p:par>
-                  <p:par>
-                    <p:cTn id="17" fill="hold">
-                      <p:stCondLst>
-                        <p:cond delay="indefinite"/>
-                      </p:stCondLst>
-                      <p:childTnLst>
-                        <p:par>
-                          <p:cTn id="18" fill="hold">
-                            <p:stCondLst>
-                              <p:cond delay="0"/>
-                            </p:stCondLst>
-                            <p:childTnLst>
-                              <p:par>
-                                <p:cTn id="19" presetID="2" presetClass="entr" presetSubtype="8" fill="hold" grpId="0" nodeType="clickEffect">
-                                  <p:stCondLst>
-                                    <p:cond delay="2000"/>
-                                  </p:stCondLst>
-                                  <p:childTnLst>
-                                    <p:set>
-                                      <p:cBhvr>
-                                        <p:cTn id="20" dur="1" fill="hold">
-                                          <p:stCondLst>
-                                            <p:cond delay="0"/>
-                                          </p:stCondLst>
-                                        </p:cTn>
-                                        <p:tgtEl>
-                                          <p:spTgt spid="194">
-                                            <p:txEl>
-                                              <p:pRg st="0" end="0"/>
-                                            </p:txEl>
-                                          </p:spTgt>
-                                        </p:tgtEl>
-                                        <p:attrNameLst>
-                                          <p:attrName>style.visibility</p:attrName>
-                                        </p:attrNameLst>
-                                      </p:cBhvr>
-                                      <p:to>
-                                        <p:strVal val="visible"/>
-                                      </p:to>
-                                    </p:set>
-                                    <p:anim calcmode="lin" valueType="num">
-                                      <p:cBhvr additive="base">
-                                        <p:cTn id="21" dur="1000" fill="hold"/>
-                                        <p:tgtEl>
-                                          <p:spTgt spid="194">
-                                            <p:txEl>
-                                              <p:pRg st="0" end="0"/>
-                                            </p:txEl>
-                                          </p:spTgt>
-                                        </p:tgtEl>
-                                        <p:attrNameLst>
-                                          <p:attrName>ppt_x</p:attrName>
-                                        </p:attrNameLst>
-                                      </p:cBhvr>
-                                      <p:tavLst>
-                                        <p:tav tm="0">
-                                          <p:val>
-                                            <p:strVal val="0-#ppt_w/2"/>
-                                          </p:val>
-                                        </p:tav>
-                                        <p:tav tm="100000">
-                                          <p:val>
-                                            <p:strVal val="#ppt_x"/>
-                                          </p:val>
-                                        </p:tav>
-                                      </p:tavLst>
-                                    </p:anim>
-                                    <p:anim calcmode="lin" valueType="num">
-                                      <p:cBhvr additive="base">
-                                        <p:cTn id="22" dur="1000" fill="hold"/>
-                                        <p:tgtEl>
-                                          <p:spTgt spid="194">
-                                            <p:txEl>
-                                              <p:pRg st="0" end="0"/>
-                                            </p:txEl>
-                                          </p:spTgt>
-                                        </p:tgtEl>
-                                        <p:attrNameLst>
-                                          <p:attrName>ppt_y</p:attrName>
-                                        </p:attrNameLst>
-                                      </p:cBhvr>
-                                      <p:tavLst>
-                                        <p:tav tm="0">
-                                          <p:val>
-                                            <p:strVal val="#ppt_y"/>
-                                          </p:val>
-                                        </p:tav>
-                                        <p:tav tm="100000">
-                                          <p:val>
-                                            <p:strVal val="#ppt_y"/>
-                                          </p:val>
-                                        </p:tav>
-                                      </p:tavLst>
-                                    </p:anim>
-                                  </p:childTnLst>
-                                </p:cTn>
-                              </p:par>
-                            </p:childTnLst>
-                          </p:cTn>
-                        </p:par>
-                      </p:childTnLst>
-                    </p:cTn>
-                  </p:par>
-                  <p:par>
-                    <p:cTn id="23" fill="hold">
-                      <p:stCondLst>
-                        <p:cond delay="indefinite"/>
-                      </p:stCondLst>
-                      <p:childTnLst>
-                        <p:par>
-                          <p:cTn id="24" fill="hold">
-                            <p:stCondLst>
-                              <p:cond delay="0"/>
-                            </p:stCondLst>
-                            <p:childTnLst>
-                              <p:par>
-                                <p:cTn id="25" presetID="2" presetClass="entr" presetSubtype="8" fill="hold" grpId="0" nodeType="clickEffect">
-                                  <p:stCondLst>
-                                    <p:cond delay="2000"/>
-                                  </p:stCondLst>
-                                  <p:childTnLst>
-                                    <p:set>
-                                      <p:cBhvr>
-                                        <p:cTn id="26" dur="1" fill="hold">
-                                          <p:stCondLst>
-                                            <p:cond delay="0"/>
-                                          </p:stCondLst>
-                                        </p:cTn>
-                                        <p:tgtEl>
-                                          <p:spTgt spid="194">
-                                            <p:txEl>
-                                              <p:pRg st="1" end="1"/>
-                                            </p:txEl>
-                                          </p:spTgt>
-                                        </p:tgtEl>
-                                        <p:attrNameLst>
-                                          <p:attrName>style.visibility</p:attrName>
-                                        </p:attrNameLst>
-                                      </p:cBhvr>
-                                      <p:to>
-                                        <p:strVal val="visible"/>
-                                      </p:to>
-                                    </p:set>
-                                    <p:anim calcmode="lin" valueType="num">
-                                      <p:cBhvr additive="base">
-                                        <p:cTn id="27" dur="1000" fill="hold"/>
-                                        <p:tgtEl>
-                                          <p:spTgt spid="194">
-                                            <p:txEl>
-                                              <p:pRg st="1" end="1"/>
-                                            </p:txEl>
-                                          </p:spTgt>
-                                        </p:tgtEl>
-                                        <p:attrNameLst>
-                                          <p:attrName>ppt_x</p:attrName>
-                                        </p:attrNameLst>
-                                      </p:cBhvr>
-                                      <p:tavLst>
-                                        <p:tav tm="0">
-                                          <p:val>
-                                            <p:strVal val="0-#ppt_w/2"/>
-                                          </p:val>
-                                        </p:tav>
-                                        <p:tav tm="100000">
-                                          <p:val>
-                                            <p:strVal val="#ppt_x"/>
-                                          </p:val>
-                                        </p:tav>
-                                      </p:tavLst>
-                                    </p:anim>
-                                    <p:anim calcmode="lin" valueType="num">
-                                      <p:cBhvr additive="base">
-                                        <p:cTn id="28" dur="1000" fill="hold"/>
-                                        <p:tgtEl>
-                                          <p:spTgt spid="194">
-                                            <p:txEl>
-                                              <p:pRg st="1" end="1"/>
-                                            </p:txEl>
-                                          </p:spTgt>
-                                        </p:tgtEl>
-                                        <p:attrNameLst>
-                                          <p:attrName>ppt_y</p:attrName>
-                                        </p:attrNameLst>
-                                      </p:cBhvr>
-                                      <p:tavLst>
-                                        <p:tav tm="0">
-                                          <p:val>
-                                            <p:strVal val="#ppt_y"/>
-                                          </p:val>
-                                        </p:tav>
-                                        <p:tav tm="100000">
-                                          <p:val>
-                                            <p:strVal val="#ppt_y"/>
-                                          </p:val>
-                                        </p:tav>
-                                      </p:tavLst>
-                                    </p:anim>
-                                  </p:childTnLst>
-                                </p:cTn>
-                              </p:par>
-                            </p:childTnLst>
-                          </p:cTn>
-                        </p:par>
-                      </p:childTnLst>
-                    </p:cTn>
-                  </p:par>
-                  <p:par>
-                    <p:cTn id="29" fill="hold">
-                      <p:stCondLst>
-                        <p:cond delay="indefinite"/>
-                      </p:stCondLst>
-                      <p:childTnLst>
-                        <p:par>
-                          <p:cTn id="30" fill="hold">
-                            <p:stCondLst>
-                              <p:cond delay="0"/>
-                            </p:stCondLst>
-                            <p:childTnLst>
-                              <p:par>
-                                <p:cTn id="31" presetID="2" presetClass="entr" presetSubtype="8" fill="hold" grpId="0" nodeType="clickEffect">
-                                  <p:stCondLst>
-                                    <p:cond delay="2000"/>
-                                  </p:stCondLst>
-                                  <p:childTnLst>
-                                    <p:set>
-                                      <p:cBhvr>
-                                        <p:cTn id="32" dur="1" fill="hold">
-                                          <p:stCondLst>
-                                            <p:cond delay="0"/>
-                                          </p:stCondLst>
-                                        </p:cTn>
-                                        <p:tgtEl>
-                                          <p:spTgt spid="194">
-                                            <p:txEl>
-                                              <p:pRg st="2" end="2"/>
-                                            </p:txEl>
-                                          </p:spTgt>
-                                        </p:tgtEl>
-                                        <p:attrNameLst>
-                                          <p:attrName>style.visibility</p:attrName>
-                                        </p:attrNameLst>
-                                      </p:cBhvr>
-                                      <p:to>
-                                        <p:strVal val="visible"/>
-                                      </p:to>
-                                    </p:set>
-                                    <p:anim calcmode="lin" valueType="num">
-                                      <p:cBhvr additive="base">
-                                        <p:cTn id="33" dur="1000" fill="hold"/>
-                                        <p:tgtEl>
-                                          <p:spTgt spid="194">
-                                            <p:txEl>
-                                              <p:pRg st="2" end="2"/>
-                                            </p:txEl>
-                                          </p:spTgt>
-                                        </p:tgtEl>
-                                        <p:attrNameLst>
-                                          <p:attrName>ppt_x</p:attrName>
-                                        </p:attrNameLst>
-                                      </p:cBhvr>
-                                      <p:tavLst>
-                                        <p:tav tm="0">
-                                          <p:val>
-                                            <p:strVal val="0-#ppt_w/2"/>
-                                          </p:val>
-                                        </p:tav>
-                                        <p:tav tm="100000">
-                                          <p:val>
-                                            <p:strVal val="#ppt_x"/>
-                                          </p:val>
-                                        </p:tav>
-                                      </p:tavLst>
-                                    </p:anim>
-                                    <p:anim calcmode="lin" valueType="num">
-                                      <p:cBhvr additive="base">
-                                        <p:cTn id="34" dur="1000" fill="hold"/>
-                                        <p:tgtEl>
-                                          <p:spTgt spid="194">
-                                            <p:txEl>
-                                              <p:pRg st="2" end="2"/>
-                                            </p:txEl>
-                                          </p:spTgt>
-                                        </p:tgtEl>
-                                        <p:attrNameLst>
-                                          <p:attrName>ppt_y</p:attrName>
-                                        </p:attrNameLst>
-                                      </p:cBhvr>
-                                      <p:tavLst>
-                                        <p:tav tm="0">
-                                          <p:val>
-                                            <p:strVal val="#ppt_y"/>
-                                          </p:val>
-                                        </p:tav>
-                                        <p:tav tm="100000">
-                                          <p:val>
-                                            <p:strVal val="#ppt_y"/>
-                                          </p:val>
-                                        </p:tav>
-                                      </p:tavLst>
-                                    </p:anim>
-                                  </p:childTnLst>
-                                </p:cTn>
-                              </p:par>
-                            </p:childTnLst>
-                          </p:cTn>
-                        </p:par>
-                      </p:childTnLst>
-                    </p:cTn>
-                  </p:par>
-                  <p:par>
-                    <p:cTn id="35" fill="hold">
-                      <p:stCondLst>
-                        <p:cond delay="indefinite"/>
-                      </p:stCondLst>
-                      <p:childTnLst>
-                        <p:par>
-                          <p:cTn id="36" fill="hold">
-                            <p:stCondLst>
-                              <p:cond delay="0"/>
-                            </p:stCondLst>
-                            <p:childTnLst>
-                              <p:par>
-                                <p:cTn id="37" presetID="2" presetClass="entr" presetSubtype="8" fill="hold" grpId="0" nodeType="clickEffect">
-                                  <p:stCondLst>
-                                    <p:cond delay="2000"/>
-                                  </p:stCondLst>
-                                  <p:childTnLst>
-                                    <p:set>
-                                      <p:cBhvr>
-                                        <p:cTn id="38" dur="1" fill="hold">
-                                          <p:stCondLst>
-                                            <p:cond delay="0"/>
-                                          </p:stCondLst>
-                                        </p:cTn>
-                                        <p:tgtEl>
-                                          <p:spTgt spid="194">
-                                            <p:txEl>
-                                              <p:pRg st="3" end="3"/>
-                                            </p:txEl>
-                                          </p:spTgt>
-                                        </p:tgtEl>
-                                        <p:attrNameLst>
-                                          <p:attrName>style.visibility</p:attrName>
-                                        </p:attrNameLst>
-                                      </p:cBhvr>
-                                      <p:to>
-                                        <p:strVal val="visible"/>
-                                      </p:to>
-                                    </p:set>
-                                    <p:anim calcmode="lin" valueType="num">
-                                      <p:cBhvr additive="base">
-                                        <p:cTn id="39" dur="1000" fill="hold"/>
-                                        <p:tgtEl>
-                                          <p:spTgt spid="194">
-                                            <p:txEl>
-                                              <p:pRg st="3" end="3"/>
-                                            </p:txEl>
-                                          </p:spTgt>
-                                        </p:tgtEl>
-                                        <p:attrNameLst>
-                                          <p:attrName>ppt_x</p:attrName>
-                                        </p:attrNameLst>
-                                      </p:cBhvr>
-                                      <p:tavLst>
-                                        <p:tav tm="0">
-                                          <p:val>
-                                            <p:strVal val="0-#ppt_w/2"/>
-                                          </p:val>
-                                        </p:tav>
-                                        <p:tav tm="100000">
-                                          <p:val>
-                                            <p:strVal val="#ppt_x"/>
-                                          </p:val>
-                                        </p:tav>
-                                      </p:tavLst>
-                                    </p:anim>
-                                    <p:anim calcmode="lin" valueType="num">
-                                      <p:cBhvr additive="base">
-                                        <p:cTn id="40" dur="1000" fill="hold"/>
-                                        <p:tgtEl>
-                                          <p:spTgt spid="194">
-                                            <p:txEl>
-                                              <p:pRg st="3" end="3"/>
-                                            </p:txEl>
-                                          </p:spTgt>
-                                        </p:tgtEl>
-                                        <p:attrNameLst>
-                                          <p:attrName>ppt_y</p:attrName>
-                                        </p:attrNameLst>
-                                      </p:cBhvr>
-                                      <p:tavLst>
-                                        <p:tav tm="0">
-                                          <p:val>
-                                            <p:strVal val="#ppt_y"/>
-                                          </p:val>
-                                        </p:tav>
-                                        <p:tav tm="100000">
-                                          <p:val>
-                                            <p:strVal val="#ppt_y"/>
-                                          </p:val>
-                                        </p:tav>
-                                      </p:tavLst>
-                                    </p:anim>
-                                  </p:childTnLst>
-                                </p:cTn>
-                              </p:par>
-                            </p:childTnLst>
-                          </p:cTn>
-                        </p:par>
-                      </p:childTnLst>
-                    </p:cTn>
-                  </p:par>
-                  <p:par>
-                    <p:cTn id="41" fill="hold">
-                      <p:stCondLst>
-                        <p:cond delay="indefinite"/>
-                      </p:stCondLst>
-                      <p:childTnLst>
-                        <p:par>
-                          <p:cTn id="42" fill="hold">
-                            <p:stCondLst>
-                              <p:cond delay="0"/>
-                            </p:stCondLst>
-                            <p:childTnLst>
-                              <p:par>
-                                <p:cTn id="43" presetID="2" presetClass="entr" presetSubtype="8" fill="hold" grpId="0" nodeType="clickEffect">
-                                  <p:stCondLst>
-                                    <p:cond delay="2000"/>
-                                  </p:stCondLst>
-                                  <p:childTnLst>
-                                    <p:set>
-                                      <p:cBhvr>
-                                        <p:cTn id="44" dur="1" fill="hold">
-                                          <p:stCondLst>
-                                            <p:cond delay="0"/>
-                                          </p:stCondLst>
-                                        </p:cTn>
-                                        <p:tgtEl>
-                                          <p:spTgt spid="194">
-                                            <p:txEl>
-                                              <p:pRg st="4" end="4"/>
-                                            </p:txEl>
-                                          </p:spTgt>
-                                        </p:tgtEl>
-                                        <p:attrNameLst>
-                                          <p:attrName>style.visibility</p:attrName>
-                                        </p:attrNameLst>
-                                      </p:cBhvr>
-                                      <p:to>
-                                        <p:strVal val="visible"/>
-                                      </p:to>
-                                    </p:set>
-                                    <p:anim calcmode="lin" valueType="num">
-                                      <p:cBhvr additive="base">
-                                        <p:cTn id="45" dur="1000" fill="hold"/>
-                                        <p:tgtEl>
-                                          <p:spTgt spid="194">
-                                            <p:txEl>
-                                              <p:pRg st="4" end="4"/>
-                                            </p:txEl>
-                                          </p:spTgt>
-                                        </p:tgtEl>
-                                        <p:attrNameLst>
-                                          <p:attrName>ppt_x</p:attrName>
-                                        </p:attrNameLst>
-                                      </p:cBhvr>
-                                      <p:tavLst>
-                                        <p:tav tm="0">
-                                          <p:val>
-                                            <p:strVal val="0-#ppt_w/2"/>
-                                          </p:val>
-                                        </p:tav>
-                                        <p:tav tm="100000">
-                                          <p:val>
-                                            <p:strVal val="#ppt_x"/>
-                                          </p:val>
-                                        </p:tav>
-                                      </p:tavLst>
-                                    </p:anim>
-                                    <p:anim calcmode="lin" valueType="num">
-                                      <p:cBhvr additive="base">
-                                        <p:cTn id="46" dur="1000" fill="hold"/>
-                                        <p:tgtEl>
-                                          <p:spTgt spid="194">
-                                            <p:txEl>
-                                              <p:pRg st="4" end="4"/>
-                                            </p:txEl>
-                                          </p:spTgt>
-                                        </p:tgtEl>
-                                        <p:attrNameLst>
-                                          <p:attrName>ppt_y</p:attrName>
-                                        </p:attrNameLst>
-                                      </p:cBhvr>
-                                      <p:tavLst>
-                                        <p:tav tm="0">
-                                          <p:val>
-                                            <p:strVal val="#ppt_y"/>
-                                          </p:val>
-                                        </p:tav>
-                                        <p:tav tm="100000">
-                                          <p:val>
-                                            <p:strVal val="#ppt_y"/>
-                                          </p:val>
-                                        </p:tav>
-                                      </p:tavLst>
-                                    </p:anim>
-                                  </p:childTnLst>
-                                </p:cTn>
-                              </p:par>
-                            </p:childTnLst>
-                          </p:cTn>
-                        </p:par>
-                      </p:childTnLst>
-                    </p:cTn>
-                  </p:par>
-                </p:childTnLst>
-              </p:cTn>
-              <p:prevCondLst>
-                <p:cond evt="onPrev" delay="0">
-                  <p:tgtEl>
-                    <p:sldTgt/>
-                  </p:tgtEl>
-                </p:cond>
-              </p:prevCondLst>
-              <p:nextCondLst>
-                <p:cond evt="onNext" delay="0">
-                  <p:tgtEl>
-                    <p:sldTgt/>
-                  </p:tgtEl>
-                </p:cond>
-              </p:nextCondLst>
-            </p:seq>
-          </p:childTnLst>
-        </p:cTn>
-      </p:par>
-    </p:tnLst>
-    <p:bldLst>
-      <p:bldP spid="193" grpId="0"/>
-      <p:bldP spid="194" grpId="0" build="p"/>
-      <p:bldP spid="195" grpId="0"/>
-    </p:bldLst>
-  </p:timing>
 </p:sld>
 </file>
 

--- a/FOPS_Osztálykirándulás_Prezentáció.pptx
+++ b/FOPS_Osztálykirándulás_Prezentáció.pptx
@@ -271,6 +271,9 @@
     </a:lvl9pPr>
   </p:defaultTextStyle>
   <p:extLst>
+    <p:ext uri="{EFAFB233-063F-42B5-8137-9DF3F51BA10A}">
+      <p15:sldGuideLst xmlns:p15="http://schemas.microsoft.com/office/powerpoint/2012/main"/>
+    </p:ext>
     <p:ext uri="GoogleSlidesCustomDataVersion2">
       <go:slidesCustomData xmlns:mc="http://schemas.openxmlformats.org/markup-compatibility/2006" xmlns:mv="urn:schemas-microsoft-com:mac:vml" xmlns:c="http://schemas.openxmlformats.org/drawingml/2006/chart" xmlns:dgm="http://schemas.openxmlformats.org/drawingml/2006/diagram" xmlns:o="urn:schemas-microsoft-com:office:office" xmlns:v="urn:schemas-microsoft-com:vml" xmlns:pvml="urn:schemas-microsoft-com:office:powerpoint" xmlns:com="http://schemas.openxmlformats.org/drawingml/2006/compatibility" xmlns:p14="http://schemas.microsoft.com/office/powerpoint/2010/main" xmlns:p15="http://schemas.microsoft.com/office/powerpoint/2012/main" xmlns:ahyp="http://schemas.microsoft.com/office/drawing/2018/hyperlinkcolor" xmlns:go="http://customooxmlschemas.google.com/" xmlns="" r:id="rId25" roundtripDataSignature="AMtx7mhB/tbt/CLkt3Gu0gobR/ZMp2h8YQ=="/>
     </p:ext>
@@ -27300,10 +27303,29 @@
               <a:buChar char="◈"/>
             </a:pPr>
             <a:r>
-              <a:rPr lang="hu-HU" sz="3200"/>
+              <a:rPr lang="hu-HU" sz="3200" dirty="0"/>
               <a:t>Az Opera GX böngésző segítségével gyorsan és hatékonyan szereztünk információt az árakról, helyszínekről, programokról.</a:t>
             </a:r>
-            <a:endParaRPr lang="hu-HU"/>
+          </a:p>
+          <a:p>
+            <a:pPr marL="342900" lvl="0" indent="-305435" algn="l" rtl="0">
+              <a:lnSpc>
+                <a:spcPct val="150000"/>
+              </a:lnSpc>
+              <a:spcBef>
+                <a:spcPts val="0"/>
+              </a:spcBef>
+              <a:spcAft>
+                <a:spcPts val="0"/>
+              </a:spcAft>
+              <a:buSzPts val="1680"/>
+              <a:buChar char="◈"/>
+            </a:pPr>
+            <a:r>
+              <a:rPr lang="hu-HU" sz="3200" dirty="0"/>
+              <a:t>az</a:t>
+            </a:r>
+            <a:endParaRPr lang="hu-HU" dirty="0"/>
           </a:p>
         </p:txBody>
       </p:sp>
@@ -27597,6 +27619,109 @@
                                           <p:spTgt spid="173">
                                             <p:txEl>
                                               <p:pRg st="0" end="0"/>
+                                            </p:txEl>
+                                          </p:spTgt>
+                                        </p:tgtEl>
+                                        <p:attrNameLst>
+                                          <p:attrName>ppt_y</p:attrName>
+                                        </p:attrNameLst>
+                                      </p:cBhvr>
+                                      <p:tavLst>
+                                        <p:tav tm="0">
+                                          <p:val>
+                                            <p:strVal val="#ppt_y"/>
+                                          </p:val>
+                                        </p:tav>
+                                        <p:tav tm="100000">
+                                          <p:val>
+                                            <p:strVal val="#ppt_y"/>
+                                          </p:val>
+                                        </p:tav>
+                                      </p:tavLst>
+                                    </p:anim>
+                                  </p:childTnLst>
+                                </p:cTn>
+                              </p:par>
+                            </p:childTnLst>
+                          </p:cTn>
+                        </p:par>
+                      </p:childTnLst>
+                    </p:cTn>
+                  </p:par>
+                  <p:par>
+                    <p:cTn id="18" fill="hold">
+                      <p:stCondLst>
+                        <p:cond delay="indefinite"/>
+                      </p:stCondLst>
+                      <p:childTnLst>
+                        <p:par>
+                          <p:cTn id="19" fill="hold">
+                            <p:stCondLst>
+                              <p:cond delay="0"/>
+                            </p:stCondLst>
+                            <p:childTnLst>
+                              <p:par>
+                                <p:cTn id="20" presetID="2" presetClass="entr" presetSubtype="8" fill="hold" grpId="0" nodeType="clickEffect">
+                                  <p:stCondLst>
+                                    <p:cond delay="2000"/>
+                                  </p:stCondLst>
+                                  <p:childTnLst>
+                                    <p:set>
+                                      <p:cBhvr>
+                                        <p:cTn id="21" dur="1" fill="hold">
+                                          <p:stCondLst>
+                                            <p:cond delay="0"/>
+                                          </p:stCondLst>
+                                        </p:cTn>
+                                        <p:tgtEl>
+                                          <p:spTgt spid="173">
+                                            <p:txEl>
+                                              <p:pRg st="1" end="1"/>
+                                            </p:txEl>
+                                          </p:spTgt>
+                                        </p:tgtEl>
+                                        <p:attrNameLst>
+                                          <p:attrName>style.visibility</p:attrName>
+                                        </p:attrNameLst>
+                                      </p:cBhvr>
+                                      <p:to>
+                                        <p:strVal val="visible"/>
+                                      </p:to>
+                                    </p:set>
+                                    <p:anim calcmode="lin" valueType="num">
+                                      <p:cBhvr additive="base">
+                                        <p:cTn id="22" dur="1000" fill="hold"/>
+                                        <p:tgtEl>
+                                          <p:spTgt spid="173">
+                                            <p:txEl>
+                                              <p:pRg st="1" end="1"/>
+                                            </p:txEl>
+                                          </p:spTgt>
+                                        </p:tgtEl>
+                                        <p:attrNameLst>
+                                          <p:attrName>ppt_x</p:attrName>
+                                        </p:attrNameLst>
+                                      </p:cBhvr>
+                                      <p:tavLst>
+                                        <p:tav tm="0">
+                                          <p:val>
+                                            <p:strVal val="0-#ppt_w/2"/>
+                                          </p:val>
+                                        </p:tav>
+                                        <p:tav tm="100000">
+                                          <p:val>
+                                            <p:strVal val="#ppt_x"/>
+                                          </p:val>
+                                        </p:tav>
+                                      </p:tavLst>
+                                    </p:anim>
+                                    <p:anim calcmode="lin" valueType="num">
+                                      <p:cBhvr additive="base">
+                                        <p:cTn id="23" dur="1000" fill="hold"/>
+                                        <p:tgtEl>
+                                          <p:spTgt spid="173">
+                                            <p:txEl>
+                                              <p:pRg st="1" end="1"/>
                                             </p:txEl>
                                           </p:spTgt>
                                         </p:tgtEl>

--- a/FOPS_Osztálykirándulás_Prezentáció.pptx
+++ b/FOPS_Osztálykirándulás_Prezentáció.pptx
@@ -275,7 +275,7 @@
       <p15:sldGuideLst xmlns:p15="http://schemas.microsoft.com/office/powerpoint/2012/main"/>
     </p:ext>
     <p:ext uri="GoogleSlidesCustomDataVersion2">
-      <go:slidesCustomData xmlns:mc="http://schemas.openxmlformats.org/markup-compatibility/2006" xmlns:mv="urn:schemas-microsoft-com:mac:vml" xmlns:c="http://schemas.openxmlformats.org/drawingml/2006/chart" xmlns:dgm="http://schemas.openxmlformats.org/drawingml/2006/diagram" xmlns:o="urn:schemas-microsoft-com:office:office" xmlns:v="urn:schemas-microsoft-com:vml" xmlns:pvml="urn:schemas-microsoft-com:office:powerpoint" xmlns:com="http://schemas.openxmlformats.org/drawingml/2006/compatibility" xmlns:p14="http://schemas.microsoft.com/office/powerpoint/2010/main" xmlns:p15="http://schemas.microsoft.com/office/powerpoint/2012/main" xmlns:ahyp="http://schemas.microsoft.com/office/drawing/2018/hyperlinkcolor" xmlns:go="http://customooxmlschemas.google.com/" xmlns="" r:id="rId25" roundtripDataSignature="AMtx7mhB/tbt/CLkt3Gu0gobR/ZMp2h8YQ=="/>
+      <go:slidesCustomData xmlns="" xmlns:go="http://customooxmlschemas.google.com/" xmlns:ahyp="http://schemas.microsoft.com/office/drawing/2018/hyperlinkcolor" xmlns:p15="http://schemas.microsoft.com/office/powerpoint/2012/main" xmlns:p14="http://schemas.microsoft.com/office/powerpoint/2010/main" xmlns:com="http://schemas.openxmlformats.org/drawingml/2006/compatibility" xmlns:pvml="urn:schemas-microsoft-com:office:powerpoint" xmlns:v="urn:schemas-microsoft-com:vml" xmlns:o="urn:schemas-microsoft-com:office:office" xmlns:dgm="http://schemas.openxmlformats.org/drawingml/2006/diagram" xmlns:c="http://schemas.openxmlformats.org/drawingml/2006/chart" xmlns:mv="urn:schemas-microsoft-com:mac:vml" xmlns:mc="http://schemas.openxmlformats.org/markup-compatibility/2006" r:id="rId25" roundtripDataSignature="AMtx7mhB/tbt/CLkt3Gu0gobR/ZMp2h8YQ=="/>
     </p:ext>
   </p:extLst>
 </p:presentation>
@@ -285,8 +285,8 @@
 <p1510:revInfo xmlns:a="http://schemas.openxmlformats.org/drawingml/2006/main" xmlns:r="http://schemas.openxmlformats.org/officeDocument/2006/relationships" xmlns:p1510="http://schemas.microsoft.com/office/powerpoint/2015/10/main">
   <p1510:revLst>
     <p1510:client id="{23DA576E-EB32-0EB7-93FA-ABEB5CF19DA4}" v="700" dt="2024-10-08T09:27:39.574"/>
+    <p1510:client id="{3CACA36D-CCD5-9F02-0CB2-76363BB95DA9}" v="1" dt="2024-10-08T09:03:52.470"/>
     <p1510:client id="{6CF21522-D706-EEA0-6BD3-7BD2607155A2}" v="158" dt="2024-10-08T09:23:55.959"/>
-    <p1510:client id="{3CACA36D-CCD5-9F02-0CB2-76363BB95DA9}" v="1" dt="2024-10-08T09:03:52.470"/>
     <p1510:client id="{4C9D0163-68A9-7277-EF05-67E4FB29C77C}" v="105" dt="2024-10-08T08:33:43.406"/>
     <p1510:client id="{A8D916CF-E8E3-52CA-244F-C1B8331A2F4B}" v="562" dt="2024-10-08T09:27:58.213"/>
   </p1510:revLst>
@@ -27321,10 +27321,6 @@
               <a:buSzPts val="1680"/>
               <a:buChar char="◈"/>
             </a:pPr>
-            <a:r>
-              <a:rPr lang="hu-HU" sz="3200" dirty="0"/>
-              <a:t>az</a:t>
-            </a:r>
             <a:endParaRPr lang="hu-HU" dirty="0"/>
           </a:p>
         </p:txBody>
@@ -27619,109 +27615,6 @@
                                           <p:spTgt spid="173">
                                             <p:txEl>
                                               <p:pRg st="0" end="0"/>
-                                            </p:txEl>
-                                          </p:spTgt>
-                                        </p:tgtEl>
-                                        <p:attrNameLst>
-                                          <p:attrName>ppt_y</p:attrName>
-                                        </p:attrNameLst>
-                                      </p:cBhvr>
-                                      <p:tavLst>
-                                        <p:tav tm="0">
-                                          <p:val>
-                                            <p:strVal val="#ppt_y"/>
-                                          </p:val>
-                                        </p:tav>
-                                        <p:tav tm="100000">
-                                          <p:val>
-                                            <p:strVal val="#ppt_y"/>
-                                          </p:val>
-                                        </p:tav>
-                                      </p:tavLst>
-                                    </p:anim>
-                                  </p:childTnLst>
-                                </p:cTn>
-                              </p:par>
-                            </p:childTnLst>
-                          </p:cTn>
-                        </p:par>
-                      </p:childTnLst>
-                    </p:cTn>
-                  </p:par>
-                  <p:par>
-                    <p:cTn id="18" fill="hold">
-                      <p:stCondLst>
-                        <p:cond delay="indefinite"/>
-                      </p:stCondLst>
-                      <p:childTnLst>
-                        <p:par>
-                          <p:cTn id="19" fill="hold">
-                            <p:stCondLst>
-                              <p:cond delay="0"/>
-                            </p:stCondLst>
-                            <p:childTnLst>
-                              <p:par>
-                                <p:cTn id="20" presetID="2" presetClass="entr" presetSubtype="8" fill="hold" grpId="0" nodeType="clickEffect">
-                                  <p:stCondLst>
-                                    <p:cond delay="2000"/>
-                                  </p:stCondLst>
-                                  <p:childTnLst>
-                                    <p:set>
-                                      <p:cBhvr>
-                                        <p:cTn id="21" dur="1" fill="hold">
-                                          <p:stCondLst>
-                                            <p:cond delay="0"/>
-                                          </p:stCondLst>
-                                        </p:cTn>
-                                        <p:tgtEl>
-                                          <p:spTgt spid="173">
-                                            <p:txEl>
-                                              <p:pRg st="1" end="1"/>
-                                            </p:txEl>
-                                          </p:spTgt>
-                                        </p:tgtEl>
-                                        <p:attrNameLst>
-                                          <p:attrName>style.visibility</p:attrName>
-                                        </p:attrNameLst>
-                                      </p:cBhvr>
-                                      <p:to>
-                                        <p:strVal val="visible"/>
-                                      </p:to>
-                                    </p:set>
-                                    <p:anim calcmode="lin" valueType="num">
-                                      <p:cBhvr additive="base">
-                                        <p:cTn id="22" dur="1000" fill="hold"/>
-                                        <p:tgtEl>
-                                          <p:spTgt spid="173">
-                                            <p:txEl>
-                                              <p:pRg st="1" end="1"/>
-                                            </p:txEl>
-                                          </p:spTgt>
-                                        </p:tgtEl>
-                                        <p:attrNameLst>
-                                          <p:attrName>ppt_x</p:attrName>
-                                        </p:attrNameLst>
-                                      </p:cBhvr>
-                                      <p:tavLst>
-                                        <p:tav tm="0">
-                                          <p:val>
-                                            <p:strVal val="0-#ppt_w/2"/>
-                                          </p:val>
-                                        </p:tav>
-                                        <p:tav tm="100000">
-                                          <p:val>
-                                            <p:strVal val="#ppt_x"/>
-                                          </p:val>
-                                        </p:tav>
-                                      </p:tavLst>
-                                    </p:anim>
-                                    <p:anim calcmode="lin" valueType="num">
-                                      <p:cBhvr additive="base">
-                                        <p:cTn id="23" dur="1000" fill="hold"/>
-                                        <p:tgtEl>
-                                          <p:spTgt spid="173">
-                                            <p:txEl>
-                                              <p:pRg st="1" end="1"/>
                                             </p:txEl>
                                           </p:spTgt>
                                         </p:tgtEl>
